--- a/PPT/PythonOO04-Inheritance.pptx
+++ b/PPT/PythonOO04-Inheritance.pptx
@@ -5,10 +5,10 @@
     <p:sldMasterId id="2147483653" r:id="rId1"/>
   </p:sldMasterIdLst>
   <p:notesMasterIdLst>
-    <p:notesMasterId r:id="rId13"/>
+    <p:notesMasterId r:id="rId12"/>
   </p:notesMasterIdLst>
   <p:handoutMasterIdLst>
-    <p:handoutMasterId r:id="rId14"/>
+    <p:handoutMasterId r:id="rId13"/>
   </p:handoutMasterIdLst>
   <p:sldIdLst>
     <p:sldId id="264" r:id="rId2"/>
@@ -17,11 +17,10 @@
     <p:sldId id="289" r:id="rId5"/>
     <p:sldId id="301" r:id="rId6"/>
     <p:sldId id="300" r:id="rId7"/>
-    <p:sldId id="299" r:id="rId8"/>
-    <p:sldId id="296" r:id="rId9"/>
-    <p:sldId id="302" r:id="rId10"/>
-    <p:sldId id="290" r:id="rId11"/>
-    <p:sldId id="298" r:id="rId12"/>
+    <p:sldId id="296" r:id="rId8"/>
+    <p:sldId id="302" r:id="rId9"/>
+    <p:sldId id="290" r:id="rId10"/>
+    <p:sldId id="298" r:id="rId11"/>
   </p:sldIdLst>
   <p:sldSz cx="9144000" cy="6858000" type="screen4x3"/>
   <p:notesSz cx="6648450" cy="9782175"/>
@@ -1421,7 +1420,7 @@
             <a:fld id="{906C234E-33FE-4EE2-A4C5-F94FA93CF71C}" type="slidenum">
               <a:rPr lang="en-US" altLang="fr-FR" sz="1200"/>
               <a:pPr/>
-              <a:t>10</a:t>
+              <a:t>9</a:t>
             </a:fld>
             <a:endParaRPr lang="en-US" altLang="fr-FR" sz="1200"/>
           </a:p>
@@ -4346,2107 +4345,6 @@
       </p:grpSpPr>
       <p:sp>
         <p:nvSpPr>
-          <p:cNvPr id="55298" name="Rectangle 17"/>
-          <p:cNvSpPr>
-            <a:spLocks noChangeArrowheads="1"/>
-          </p:cNvSpPr>
-          <p:nvPr/>
-        </p:nvSpPr>
-        <p:spPr bwMode="auto">
-          <a:xfrm>
-            <a:off x="860425" y="1112838"/>
-            <a:ext cx="7378700" cy="5029200"/>
-          </a:xfrm>
-          <a:prstGeom prst="rect">
-            <a:avLst/>
-          </a:prstGeom>
-          <a:gradFill rotWithShape="0">
-            <a:gsLst>
-              <a:gs pos="0">
-                <a:srgbClr val="FCFEB9"/>
-              </a:gs>
-              <a:gs pos="100000">
-                <a:srgbClr val="FFCC66"/>
-              </a:gs>
-            </a:gsLst>
-            <a:lin ang="5400000" scaled="1"/>
-          </a:gradFill>
-          <a:ln>
-            <a:noFill/>
-          </a:ln>
-          <a:effectLst/>
-          <a:extLst>
-            <a:ext uri="{91240B29-F687-4F45-9708-019B960494DF}">
-              <a14:hiddenLine xmlns:a14="http://schemas.microsoft.com/office/drawing/2010/main" w="9525">
-                <a:solidFill>
-                  <a:schemeClr val="tx1"/>
-                </a:solidFill>
-                <a:miter lim="800000"/>
-                <a:headEnd/>
-                <a:tailEnd/>
-              </a14:hiddenLine>
-            </a:ext>
-            <a:ext uri="{AF507438-7753-43E0-B8FC-AC1667EBCBE1}">
-              <a14:hiddenEffects xmlns:a14="http://schemas.microsoft.com/office/drawing/2010/main">
-                <a:effectLst>
-                  <a:outerShdw dist="35921" dir="2700000" algn="ctr" rotWithShape="0">
-                    <a:schemeClr val="bg2"/>
-                  </a:outerShdw>
-                </a:effectLst>
-              </a14:hiddenEffects>
-            </a:ext>
-          </a:extLst>
-        </p:spPr>
-        <p:txBody>
-          <a:bodyPr wrap="none" anchor="ctr"/>
-          <a:lstStyle>
-            <a:lvl1pPr>
-              <a:defRPr sz="3000">
-                <a:solidFill>
-                  <a:schemeClr val="tx1"/>
-                </a:solidFill>
-                <a:latin typeface="Arial Narrow" panose="020B0606020202030204" pitchFamily="34" charset="0"/>
-              </a:defRPr>
-            </a:lvl1pPr>
-            <a:lvl2pPr marL="742950" indent="-285750">
-              <a:defRPr sz="3000">
-                <a:solidFill>
-                  <a:schemeClr val="tx1"/>
-                </a:solidFill>
-                <a:latin typeface="Arial Narrow" panose="020B0606020202030204" pitchFamily="34" charset="0"/>
-              </a:defRPr>
-            </a:lvl2pPr>
-            <a:lvl3pPr marL="1143000" indent="-228600">
-              <a:defRPr sz="3000">
-                <a:solidFill>
-                  <a:schemeClr val="tx1"/>
-                </a:solidFill>
-                <a:latin typeface="Arial Narrow" panose="020B0606020202030204" pitchFamily="34" charset="0"/>
-              </a:defRPr>
-            </a:lvl3pPr>
-            <a:lvl4pPr marL="1600200" indent="-228600">
-              <a:defRPr sz="3000">
-                <a:solidFill>
-                  <a:schemeClr val="tx1"/>
-                </a:solidFill>
-                <a:latin typeface="Arial Narrow" panose="020B0606020202030204" pitchFamily="34" charset="0"/>
-              </a:defRPr>
-            </a:lvl4pPr>
-            <a:lvl5pPr marL="2057400" indent="-228600">
-              <a:defRPr sz="3000">
-                <a:solidFill>
-                  <a:schemeClr val="tx1"/>
-                </a:solidFill>
-                <a:latin typeface="Arial Narrow" panose="020B0606020202030204" pitchFamily="34" charset="0"/>
-              </a:defRPr>
-            </a:lvl5pPr>
-            <a:lvl6pPr marL="2514600" indent="-228600" eaLnBrk="0" fontAlgn="base" hangingPunct="0">
-              <a:spcBef>
-                <a:spcPct val="0"/>
-              </a:spcBef>
-              <a:spcAft>
-                <a:spcPct val="0"/>
-              </a:spcAft>
-              <a:defRPr sz="3000">
-                <a:solidFill>
-                  <a:schemeClr val="tx1"/>
-                </a:solidFill>
-                <a:latin typeface="Arial Narrow" panose="020B0606020202030204" pitchFamily="34" charset="0"/>
-              </a:defRPr>
-            </a:lvl6pPr>
-            <a:lvl7pPr marL="2971800" indent="-228600" eaLnBrk="0" fontAlgn="base" hangingPunct="0">
-              <a:spcBef>
-                <a:spcPct val="0"/>
-              </a:spcBef>
-              <a:spcAft>
-                <a:spcPct val="0"/>
-              </a:spcAft>
-              <a:defRPr sz="3000">
-                <a:solidFill>
-                  <a:schemeClr val="tx1"/>
-                </a:solidFill>
-                <a:latin typeface="Arial Narrow" panose="020B0606020202030204" pitchFamily="34" charset="0"/>
-              </a:defRPr>
-            </a:lvl7pPr>
-            <a:lvl8pPr marL="3429000" indent="-228600" eaLnBrk="0" fontAlgn="base" hangingPunct="0">
-              <a:spcBef>
-                <a:spcPct val="0"/>
-              </a:spcBef>
-              <a:spcAft>
-                <a:spcPct val="0"/>
-              </a:spcAft>
-              <a:defRPr sz="3000">
-                <a:solidFill>
-                  <a:schemeClr val="tx1"/>
-                </a:solidFill>
-                <a:latin typeface="Arial Narrow" panose="020B0606020202030204" pitchFamily="34" charset="0"/>
-              </a:defRPr>
-            </a:lvl8pPr>
-            <a:lvl9pPr marL="3886200" indent="-228600" eaLnBrk="0" fontAlgn="base" hangingPunct="0">
-              <a:spcBef>
-                <a:spcPct val="0"/>
-              </a:spcBef>
-              <a:spcAft>
-                <a:spcPct val="0"/>
-              </a:spcAft>
-              <a:defRPr sz="3000">
-                <a:solidFill>
-                  <a:schemeClr val="tx1"/>
-                </a:solidFill>
-                <a:latin typeface="Arial Narrow" panose="020B0606020202030204" pitchFamily="34" charset="0"/>
-              </a:defRPr>
-            </a:lvl9pPr>
-          </a:lstStyle>
-          <a:p>
-            <a:endParaRPr lang="fr-FR" altLang="fr-FR"/>
-          </a:p>
-        </p:txBody>
-      </p:sp>
-      <p:sp>
-        <p:nvSpPr>
-          <p:cNvPr id="55299" name="Rectangle 2"/>
-          <p:cNvSpPr>
-            <a:spLocks noGrp="1" noChangeArrowheads="1"/>
-          </p:cNvSpPr>
-          <p:nvPr>
-            <p:ph type="title"/>
-          </p:nvPr>
-        </p:nvSpPr>
-        <p:spPr/>
-        <p:txBody>
-          <a:bodyPr/>
-          <a:lstStyle/>
-          <a:p>
-            <a:r>
-              <a:rPr lang="en-US" altLang="fr-FR">
-                <a:solidFill>
-                  <a:srgbClr val="000000"/>
-                </a:solidFill>
-              </a:rPr>
-              <a:t>Héritage simple et multiple</a:t>
-            </a:r>
-            <a:endParaRPr lang="en-GB" altLang="fr-FR"/>
-          </a:p>
-        </p:txBody>
-      </p:sp>
-      <p:sp>
-        <p:nvSpPr>
-          <p:cNvPr id="55300" name="Rectangle 3"/>
-          <p:cNvSpPr>
-            <a:spLocks noGrp="1" noChangeArrowheads="1"/>
-          </p:cNvSpPr>
-          <p:nvPr>
-            <p:ph type="body" idx="1"/>
-          </p:nvPr>
-        </p:nvSpPr>
-        <p:spPr/>
-        <p:txBody>
-          <a:bodyPr/>
-          <a:lstStyle/>
-          <a:p>
-            <a:r>
-              <a:rPr lang="en-US" altLang="fr-FR" dirty="0" err="1">
-                <a:solidFill>
-                  <a:srgbClr val="000000"/>
-                </a:solidFill>
-              </a:rPr>
-              <a:t>Héritage</a:t>
-            </a:r>
-            <a:r>
-              <a:rPr lang="en-US" altLang="fr-FR" dirty="0">
-                <a:solidFill>
-                  <a:srgbClr val="000000"/>
-                </a:solidFill>
-              </a:rPr>
-              <a:t> simple :</a:t>
-            </a:r>
-            <a:r>
-              <a:rPr lang="en-GB" altLang="fr-FR" dirty="0"/>
-              <a:t> </a:t>
-            </a:r>
-            <a:r>
-              <a:rPr lang="en-US" altLang="fr-FR" dirty="0" err="1">
-                <a:solidFill>
-                  <a:srgbClr val="000000"/>
-                </a:solidFill>
-              </a:rPr>
-              <a:t>dérivé</a:t>
-            </a:r>
-            <a:r>
-              <a:rPr lang="en-US" altLang="fr-FR" dirty="0">
-                <a:solidFill>
-                  <a:srgbClr val="000000"/>
-                </a:solidFill>
-              </a:rPr>
-              <a:t> </a:t>
-            </a:r>
-            <a:r>
-              <a:rPr lang="en-US" altLang="fr-FR" dirty="0" err="1">
-                <a:solidFill>
-                  <a:srgbClr val="000000"/>
-                </a:solidFill>
-              </a:rPr>
-              <a:t>d'une</a:t>
-            </a:r>
-            <a:r>
-              <a:rPr lang="en-US" altLang="fr-FR" dirty="0">
-                <a:solidFill>
-                  <a:srgbClr val="000000"/>
-                </a:solidFill>
-              </a:rPr>
-              <a:t> </a:t>
-            </a:r>
-            <a:r>
-              <a:rPr lang="en-US" altLang="fr-FR" dirty="0" err="1">
-                <a:solidFill>
-                  <a:srgbClr val="000000"/>
-                </a:solidFill>
-              </a:rPr>
-              <a:t>classe</a:t>
-            </a:r>
-            <a:r>
-              <a:rPr lang="en-US" altLang="fr-FR" dirty="0">
-                <a:solidFill>
-                  <a:srgbClr val="000000"/>
-                </a:solidFill>
-              </a:rPr>
-              <a:t> de base</a:t>
-            </a:r>
-            <a:endParaRPr lang="en-GB" altLang="fr-FR" dirty="0"/>
-          </a:p>
-          <a:p>
-            <a:r>
-              <a:rPr lang="en-US" altLang="fr-FR" dirty="0" err="1">
-                <a:solidFill>
-                  <a:srgbClr val="000000"/>
-                </a:solidFill>
-              </a:rPr>
-              <a:t>Héritage</a:t>
-            </a:r>
-            <a:r>
-              <a:rPr lang="en-US" altLang="fr-FR" dirty="0">
-                <a:solidFill>
-                  <a:srgbClr val="000000"/>
-                </a:solidFill>
-              </a:rPr>
-              <a:t> multiple :</a:t>
-            </a:r>
-            <a:r>
-              <a:rPr lang="en-GB" altLang="fr-FR" dirty="0"/>
-              <a:t> </a:t>
-            </a:r>
-            <a:r>
-              <a:rPr lang="en-US" altLang="fr-FR" dirty="0" err="1">
-                <a:solidFill>
-                  <a:srgbClr val="000000"/>
-                </a:solidFill>
-              </a:rPr>
-              <a:t>dérivé</a:t>
-            </a:r>
-            <a:r>
-              <a:rPr lang="en-US" altLang="fr-FR" dirty="0">
-                <a:solidFill>
-                  <a:srgbClr val="000000"/>
-                </a:solidFill>
-              </a:rPr>
-              <a:t> de </a:t>
-            </a:r>
-            <a:r>
-              <a:rPr lang="en-US" altLang="fr-FR" dirty="0" err="1">
-                <a:solidFill>
-                  <a:srgbClr val="000000"/>
-                </a:solidFill>
-              </a:rPr>
-              <a:t>plusieurs</a:t>
-            </a:r>
-            <a:r>
-              <a:rPr lang="en-US" altLang="fr-FR" dirty="0">
-                <a:solidFill>
-                  <a:srgbClr val="000000"/>
-                </a:solidFill>
-              </a:rPr>
-              <a:t> classes de base</a:t>
-            </a:r>
-            <a:endParaRPr lang="en-GB" altLang="fr-FR" dirty="0">
-              <a:solidFill>
-                <a:srgbClr val="000000"/>
-              </a:solidFill>
-            </a:endParaRPr>
-          </a:p>
-        </p:txBody>
-      </p:sp>
-      <p:sp>
-        <p:nvSpPr>
-          <p:cNvPr id="55301" name="Rectangle 4"/>
-          <p:cNvSpPr>
-            <a:spLocks noChangeArrowheads="1"/>
-          </p:cNvSpPr>
-          <p:nvPr/>
-        </p:nvSpPr>
-        <p:spPr bwMode="auto">
-          <a:xfrm>
-            <a:off x="1828800" y="3276600"/>
-            <a:ext cx="1752600" cy="685800"/>
-          </a:xfrm>
-          <a:prstGeom prst="rect">
-            <a:avLst/>
-          </a:prstGeom>
-          <a:solidFill>
-            <a:schemeClr val="accent1"/>
-          </a:solidFill>
-          <a:ln w="9525" algn="ctr">
-            <a:solidFill>
-              <a:srgbClr val="0033CC"/>
-            </a:solidFill>
-            <a:miter lim="800000"/>
-            <a:headEnd/>
-            <a:tailEnd/>
-          </a:ln>
-          <a:effectLst>
-            <a:outerShdw dist="53882" dir="2700000" algn="ctr" rotWithShape="0">
-              <a:srgbClr val="C0C0C0"/>
-            </a:outerShdw>
-          </a:effectLst>
-        </p:spPr>
-        <p:txBody>
-          <a:bodyPr wrap="none" tIns="27432" bIns="27432" anchor="ctr"/>
-          <a:lstStyle>
-            <a:lvl1pPr>
-              <a:defRPr sz="3000">
-                <a:solidFill>
-                  <a:schemeClr val="tx1"/>
-                </a:solidFill>
-                <a:latin typeface="Arial Narrow" panose="020B0606020202030204" pitchFamily="34" charset="0"/>
-              </a:defRPr>
-            </a:lvl1pPr>
-            <a:lvl2pPr marL="742950" indent="-285750">
-              <a:defRPr sz="3000">
-                <a:solidFill>
-                  <a:schemeClr val="tx1"/>
-                </a:solidFill>
-                <a:latin typeface="Arial Narrow" panose="020B0606020202030204" pitchFamily="34" charset="0"/>
-              </a:defRPr>
-            </a:lvl2pPr>
-            <a:lvl3pPr marL="1143000" indent="-228600">
-              <a:defRPr sz="3000">
-                <a:solidFill>
-                  <a:schemeClr val="tx1"/>
-                </a:solidFill>
-                <a:latin typeface="Arial Narrow" panose="020B0606020202030204" pitchFamily="34" charset="0"/>
-              </a:defRPr>
-            </a:lvl3pPr>
-            <a:lvl4pPr marL="1600200" indent="-228600">
-              <a:defRPr sz="3000">
-                <a:solidFill>
-                  <a:schemeClr val="tx1"/>
-                </a:solidFill>
-                <a:latin typeface="Arial Narrow" panose="020B0606020202030204" pitchFamily="34" charset="0"/>
-              </a:defRPr>
-            </a:lvl4pPr>
-            <a:lvl5pPr marL="2057400" indent="-228600">
-              <a:defRPr sz="3000">
-                <a:solidFill>
-                  <a:schemeClr val="tx1"/>
-                </a:solidFill>
-                <a:latin typeface="Arial Narrow" panose="020B0606020202030204" pitchFamily="34" charset="0"/>
-              </a:defRPr>
-            </a:lvl5pPr>
-            <a:lvl6pPr marL="2514600" indent="-228600" eaLnBrk="0" fontAlgn="base" hangingPunct="0">
-              <a:spcBef>
-                <a:spcPct val="0"/>
-              </a:spcBef>
-              <a:spcAft>
-                <a:spcPct val="0"/>
-              </a:spcAft>
-              <a:defRPr sz="3000">
-                <a:solidFill>
-                  <a:schemeClr val="tx1"/>
-                </a:solidFill>
-                <a:latin typeface="Arial Narrow" panose="020B0606020202030204" pitchFamily="34" charset="0"/>
-              </a:defRPr>
-            </a:lvl6pPr>
-            <a:lvl7pPr marL="2971800" indent="-228600" eaLnBrk="0" fontAlgn="base" hangingPunct="0">
-              <a:spcBef>
-                <a:spcPct val="0"/>
-              </a:spcBef>
-              <a:spcAft>
-                <a:spcPct val="0"/>
-              </a:spcAft>
-              <a:defRPr sz="3000">
-                <a:solidFill>
-                  <a:schemeClr val="tx1"/>
-                </a:solidFill>
-                <a:latin typeface="Arial Narrow" panose="020B0606020202030204" pitchFamily="34" charset="0"/>
-              </a:defRPr>
-            </a:lvl7pPr>
-            <a:lvl8pPr marL="3429000" indent="-228600" eaLnBrk="0" fontAlgn="base" hangingPunct="0">
-              <a:spcBef>
-                <a:spcPct val="0"/>
-              </a:spcBef>
-              <a:spcAft>
-                <a:spcPct val="0"/>
-              </a:spcAft>
-              <a:defRPr sz="3000">
-                <a:solidFill>
-                  <a:schemeClr val="tx1"/>
-                </a:solidFill>
-                <a:latin typeface="Arial Narrow" panose="020B0606020202030204" pitchFamily="34" charset="0"/>
-              </a:defRPr>
-            </a:lvl8pPr>
-            <a:lvl9pPr marL="3886200" indent="-228600" eaLnBrk="0" fontAlgn="base" hangingPunct="0">
-              <a:spcBef>
-                <a:spcPct val="0"/>
-              </a:spcBef>
-              <a:spcAft>
-                <a:spcPct val="0"/>
-              </a:spcAft>
-              <a:defRPr sz="3000">
-                <a:solidFill>
-                  <a:schemeClr val="tx1"/>
-                </a:solidFill>
-                <a:latin typeface="Arial Narrow" panose="020B0606020202030204" pitchFamily="34" charset="0"/>
-              </a:defRPr>
-            </a:lvl9pPr>
-          </a:lstStyle>
-          <a:p>
-            <a:pPr algn="ctr"/>
-            <a:r>
-              <a:rPr lang="en-US" altLang="fr-FR" sz="1600">
-                <a:solidFill>
-                  <a:srgbClr val="000000"/>
-                </a:solidFill>
-              </a:rPr>
-              <a:t>Instrument</a:t>
-            </a:r>
-          </a:p>
-          <a:p>
-            <a:pPr algn="ctr"/>
-            <a:r>
-              <a:rPr lang="en-US" altLang="fr-FR" sz="1600">
-                <a:solidFill>
-                  <a:srgbClr val="000000"/>
-                </a:solidFill>
-              </a:rPr>
-              <a:t>à cordes</a:t>
-            </a:r>
-          </a:p>
-        </p:txBody>
-      </p:sp>
-      <p:sp>
-        <p:nvSpPr>
-          <p:cNvPr id="55302" name="Rectangle 5"/>
-          <p:cNvSpPr>
-            <a:spLocks noChangeArrowheads="1"/>
-          </p:cNvSpPr>
-          <p:nvPr/>
-        </p:nvSpPr>
-        <p:spPr bwMode="auto">
-          <a:xfrm>
-            <a:off x="1828800" y="4800600"/>
-            <a:ext cx="1752600" cy="685800"/>
-          </a:xfrm>
-          <a:prstGeom prst="rect">
-            <a:avLst/>
-          </a:prstGeom>
-          <a:solidFill>
-            <a:schemeClr val="accent1"/>
-          </a:solidFill>
-          <a:ln w="9525" algn="ctr">
-            <a:solidFill>
-              <a:srgbClr val="0033CC"/>
-            </a:solidFill>
-            <a:miter lim="800000"/>
-            <a:headEnd/>
-            <a:tailEnd/>
-          </a:ln>
-          <a:effectLst>
-            <a:outerShdw dist="53882" dir="2700000" algn="ctr" rotWithShape="0">
-              <a:srgbClr val="C0C0C0"/>
-            </a:outerShdw>
-          </a:effectLst>
-        </p:spPr>
-        <p:txBody>
-          <a:bodyPr wrap="none" tIns="27432" bIns="27432" anchor="ctr"/>
-          <a:lstStyle>
-            <a:lvl1pPr>
-              <a:defRPr sz="3000">
-                <a:solidFill>
-                  <a:schemeClr val="tx1"/>
-                </a:solidFill>
-                <a:latin typeface="Arial Narrow" panose="020B0606020202030204" pitchFamily="34" charset="0"/>
-              </a:defRPr>
-            </a:lvl1pPr>
-            <a:lvl2pPr marL="742950" indent="-285750">
-              <a:defRPr sz="3000">
-                <a:solidFill>
-                  <a:schemeClr val="tx1"/>
-                </a:solidFill>
-                <a:latin typeface="Arial Narrow" panose="020B0606020202030204" pitchFamily="34" charset="0"/>
-              </a:defRPr>
-            </a:lvl2pPr>
-            <a:lvl3pPr marL="1143000" indent="-228600">
-              <a:defRPr sz="3000">
-                <a:solidFill>
-                  <a:schemeClr val="tx1"/>
-                </a:solidFill>
-                <a:latin typeface="Arial Narrow" panose="020B0606020202030204" pitchFamily="34" charset="0"/>
-              </a:defRPr>
-            </a:lvl3pPr>
-            <a:lvl4pPr marL="1600200" indent="-228600">
-              <a:defRPr sz="3000">
-                <a:solidFill>
-                  <a:schemeClr val="tx1"/>
-                </a:solidFill>
-                <a:latin typeface="Arial Narrow" panose="020B0606020202030204" pitchFamily="34" charset="0"/>
-              </a:defRPr>
-            </a:lvl4pPr>
-            <a:lvl5pPr marL="2057400" indent="-228600">
-              <a:defRPr sz="3000">
-                <a:solidFill>
-                  <a:schemeClr val="tx1"/>
-                </a:solidFill>
-                <a:latin typeface="Arial Narrow" panose="020B0606020202030204" pitchFamily="34" charset="0"/>
-              </a:defRPr>
-            </a:lvl5pPr>
-            <a:lvl6pPr marL="2514600" indent="-228600" eaLnBrk="0" fontAlgn="base" hangingPunct="0">
-              <a:spcBef>
-                <a:spcPct val="0"/>
-              </a:spcBef>
-              <a:spcAft>
-                <a:spcPct val="0"/>
-              </a:spcAft>
-              <a:defRPr sz="3000">
-                <a:solidFill>
-                  <a:schemeClr val="tx1"/>
-                </a:solidFill>
-                <a:latin typeface="Arial Narrow" panose="020B0606020202030204" pitchFamily="34" charset="0"/>
-              </a:defRPr>
-            </a:lvl6pPr>
-            <a:lvl7pPr marL="2971800" indent="-228600" eaLnBrk="0" fontAlgn="base" hangingPunct="0">
-              <a:spcBef>
-                <a:spcPct val="0"/>
-              </a:spcBef>
-              <a:spcAft>
-                <a:spcPct val="0"/>
-              </a:spcAft>
-              <a:defRPr sz="3000">
-                <a:solidFill>
-                  <a:schemeClr val="tx1"/>
-                </a:solidFill>
-                <a:latin typeface="Arial Narrow" panose="020B0606020202030204" pitchFamily="34" charset="0"/>
-              </a:defRPr>
-            </a:lvl7pPr>
-            <a:lvl8pPr marL="3429000" indent="-228600" eaLnBrk="0" fontAlgn="base" hangingPunct="0">
-              <a:spcBef>
-                <a:spcPct val="0"/>
-              </a:spcBef>
-              <a:spcAft>
-                <a:spcPct val="0"/>
-              </a:spcAft>
-              <a:defRPr sz="3000">
-                <a:solidFill>
-                  <a:schemeClr val="tx1"/>
-                </a:solidFill>
-                <a:latin typeface="Arial Narrow" panose="020B0606020202030204" pitchFamily="34" charset="0"/>
-              </a:defRPr>
-            </a:lvl8pPr>
-            <a:lvl9pPr marL="3886200" indent="-228600" eaLnBrk="0" fontAlgn="base" hangingPunct="0">
-              <a:spcBef>
-                <a:spcPct val="0"/>
-              </a:spcBef>
-              <a:spcAft>
-                <a:spcPct val="0"/>
-              </a:spcAft>
-              <a:defRPr sz="3000">
-                <a:solidFill>
-                  <a:schemeClr val="tx1"/>
-                </a:solidFill>
-                <a:latin typeface="Arial Narrow" panose="020B0606020202030204" pitchFamily="34" charset="0"/>
-              </a:defRPr>
-            </a:lvl9pPr>
-          </a:lstStyle>
-          <a:p>
-            <a:pPr algn="ctr"/>
-            <a:r>
-              <a:rPr lang="en-US" altLang="fr-FR" sz="1600">
-                <a:solidFill>
-                  <a:srgbClr val="000000"/>
-                </a:solidFill>
-              </a:rPr>
-              <a:t>Violon</a:t>
-            </a:r>
-            <a:endParaRPr lang="en-GB" altLang="fr-FR" sz="1600"/>
-          </a:p>
-        </p:txBody>
-      </p:sp>
-      <p:sp>
-        <p:nvSpPr>
-          <p:cNvPr id="55303" name="AutoShape 6"/>
-          <p:cNvSpPr>
-            <a:spLocks noChangeArrowheads="1"/>
-          </p:cNvSpPr>
-          <p:nvPr/>
-        </p:nvSpPr>
-        <p:spPr bwMode="auto">
-          <a:xfrm>
-            <a:off x="2590800" y="3962400"/>
-            <a:ext cx="304800" cy="304800"/>
-          </a:xfrm>
-          <a:prstGeom prst="triangle">
-            <a:avLst>
-              <a:gd name="adj" fmla="val 50000"/>
-            </a:avLst>
-          </a:prstGeom>
-          <a:solidFill>
-            <a:schemeClr val="bg1"/>
-          </a:solidFill>
-          <a:ln w="9525">
-            <a:solidFill>
-              <a:schemeClr val="tx1"/>
-            </a:solidFill>
-            <a:miter lim="800000"/>
-            <a:headEnd/>
-            <a:tailEnd/>
-          </a:ln>
-          <a:effectLst/>
-          <a:extLst>
-            <a:ext uri="{AF507438-7753-43E0-B8FC-AC1667EBCBE1}">
-              <a14:hiddenEffects xmlns:a14="http://schemas.microsoft.com/office/drawing/2010/main">
-                <a:effectLst>
-                  <a:outerShdw dist="35921" dir="2700000" algn="ctr" rotWithShape="0">
-                    <a:schemeClr val="bg2"/>
-                  </a:outerShdw>
-                </a:effectLst>
-              </a14:hiddenEffects>
-            </a:ext>
-          </a:extLst>
-        </p:spPr>
-        <p:txBody>
-          <a:bodyPr wrap="none" anchor="ctr"/>
-          <a:lstStyle>
-            <a:lvl1pPr>
-              <a:defRPr sz="3000">
-                <a:solidFill>
-                  <a:schemeClr val="tx1"/>
-                </a:solidFill>
-                <a:latin typeface="Arial Narrow" panose="020B0606020202030204" pitchFamily="34" charset="0"/>
-              </a:defRPr>
-            </a:lvl1pPr>
-            <a:lvl2pPr marL="742950" indent="-285750">
-              <a:defRPr sz="3000">
-                <a:solidFill>
-                  <a:schemeClr val="tx1"/>
-                </a:solidFill>
-                <a:latin typeface="Arial Narrow" panose="020B0606020202030204" pitchFamily="34" charset="0"/>
-              </a:defRPr>
-            </a:lvl2pPr>
-            <a:lvl3pPr marL="1143000" indent="-228600">
-              <a:defRPr sz="3000">
-                <a:solidFill>
-                  <a:schemeClr val="tx1"/>
-                </a:solidFill>
-                <a:latin typeface="Arial Narrow" panose="020B0606020202030204" pitchFamily="34" charset="0"/>
-              </a:defRPr>
-            </a:lvl3pPr>
-            <a:lvl4pPr marL="1600200" indent="-228600">
-              <a:defRPr sz="3000">
-                <a:solidFill>
-                  <a:schemeClr val="tx1"/>
-                </a:solidFill>
-                <a:latin typeface="Arial Narrow" panose="020B0606020202030204" pitchFamily="34" charset="0"/>
-              </a:defRPr>
-            </a:lvl4pPr>
-            <a:lvl5pPr marL="2057400" indent="-228600">
-              <a:defRPr sz="3000">
-                <a:solidFill>
-                  <a:schemeClr val="tx1"/>
-                </a:solidFill>
-                <a:latin typeface="Arial Narrow" panose="020B0606020202030204" pitchFamily="34" charset="0"/>
-              </a:defRPr>
-            </a:lvl5pPr>
-            <a:lvl6pPr marL="2514600" indent="-228600" eaLnBrk="0" fontAlgn="base" hangingPunct="0">
-              <a:spcBef>
-                <a:spcPct val="0"/>
-              </a:spcBef>
-              <a:spcAft>
-                <a:spcPct val="0"/>
-              </a:spcAft>
-              <a:defRPr sz="3000">
-                <a:solidFill>
-                  <a:schemeClr val="tx1"/>
-                </a:solidFill>
-                <a:latin typeface="Arial Narrow" panose="020B0606020202030204" pitchFamily="34" charset="0"/>
-              </a:defRPr>
-            </a:lvl6pPr>
-            <a:lvl7pPr marL="2971800" indent="-228600" eaLnBrk="0" fontAlgn="base" hangingPunct="0">
-              <a:spcBef>
-                <a:spcPct val="0"/>
-              </a:spcBef>
-              <a:spcAft>
-                <a:spcPct val="0"/>
-              </a:spcAft>
-              <a:defRPr sz="3000">
-                <a:solidFill>
-                  <a:schemeClr val="tx1"/>
-                </a:solidFill>
-                <a:latin typeface="Arial Narrow" panose="020B0606020202030204" pitchFamily="34" charset="0"/>
-              </a:defRPr>
-            </a:lvl7pPr>
-            <a:lvl8pPr marL="3429000" indent="-228600" eaLnBrk="0" fontAlgn="base" hangingPunct="0">
-              <a:spcBef>
-                <a:spcPct val="0"/>
-              </a:spcBef>
-              <a:spcAft>
-                <a:spcPct val="0"/>
-              </a:spcAft>
-              <a:defRPr sz="3000">
-                <a:solidFill>
-                  <a:schemeClr val="tx1"/>
-                </a:solidFill>
-                <a:latin typeface="Arial Narrow" panose="020B0606020202030204" pitchFamily="34" charset="0"/>
-              </a:defRPr>
-            </a:lvl8pPr>
-            <a:lvl9pPr marL="3886200" indent="-228600" eaLnBrk="0" fontAlgn="base" hangingPunct="0">
-              <a:spcBef>
-                <a:spcPct val="0"/>
-              </a:spcBef>
-              <a:spcAft>
-                <a:spcPct val="0"/>
-              </a:spcAft>
-              <a:defRPr sz="3000">
-                <a:solidFill>
-                  <a:schemeClr val="tx1"/>
-                </a:solidFill>
-                <a:latin typeface="Arial Narrow" panose="020B0606020202030204" pitchFamily="34" charset="0"/>
-              </a:defRPr>
-            </a:lvl9pPr>
-          </a:lstStyle>
-          <a:p>
-            <a:endParaRPr lang="fr-FR" altLang="fr-FR"/>
-          </a:p>
-        </p:txBody>
-      </p:sp>
-      <p:sp>
-        <p:nvSpPr>
-          <p:cNvPr id="55304" name="Line 7"/>
-          <p:cNvSpPr>
-            <a:spLocks noChangeShapeType="1"/>
-          </p:cNvSpPr>
-          <p:nvPr/>
-        </p:nvSpPr>
-        <p:spPr bwMode="auto">
-          <a:xfrm>
-            <a:off x="2743200" y="4267200"/>
-            <a:ext cx="0" cy="533400"/>
-          </a:xfrm>
-          <a:prstGeom prst="line">
-            <a:avLst/>
-          </a:prstGeom>
-          <a:noFill/>
-          <a:ln w="9525">
-            <a:solidFill>
-              <a:schemeClr val="tx1"/>
-            </a:solidFill>
-            <a:round/>
-            <a:headEnd/>
-            <a:tailEnd/>
-          </a:ln>
-          <a:effectLst/>
-          <a:extLst>
-            <a:ext uri="{909E8E84-426E-40DD-AFC4-6F175D3DCCD1}">
-              <a14:hiddenFill xmlns:a14="http://schemas.microsoft.com/office/drawing/2010/main">
-                <a:noFill/>
-              </a14:hiddenFill>
-            </a:ext>
-            <a:ext uri="{AF507438-7753-43E0-B8FC-AC1667EBCBE1}">
-              <a14:hiddenEffects xmlns:a14="http://schemas.microsoft.com/office/drawing/2010/main">
-                <a:effectLst>
-                  <a:outerShdw dist="35921" dir="2700000" algn="ctr" rotWithShape="0">
-                    <a:schemeClr val="bg2"/>
-                  </a:outerShdw>
-                </a:effectLst>
-              </a14:hiddenEffects>
-            </a:ext>
-          </a:extLst>
-        </p:spPr>
-        <p:txBody>
-          <a:bodyPr/>
-          <a:lstStyle/>
-          <a:p>
-            <a:endParaRPr lang="fr-FR"/>
-          </a:p>
-        </p:txBody>
-      </p:sp>
-      <p:sp>
-        <p:nvSpPr>
-          <p:cNvPr id="55305" name="Rectangle 8"/>
-          <p:cNvSpPr>
-            <a:spLocks noChangeArrowheads="1"/>
-          </p:cNvSpPr>
-          <p:nvPr/>
-        </p:nvSpPr>
-        <p:spPr bwMode="auto">
-          <a:xfrm>
-            <a:off x="4572000" y="3276600"/>
-            <a:ext cx="1447800" cy="685800"/>
-          </a:xfrm>
-          <a:prstGeom prst="rect">
-            <a:avLst/>
-          </a:prstGeom>
-          <a:solidFill>
-            <a:schemeClr val="accent1"/>
-          </a:solidFill>
-          <a:ln w="9525" algn="ctr">
-            <a:solidFill>
-              <a:srgbClr val="0033CC"/>
-            </a:solidFill>
-            <a:miter lim="800000"/>
-            <a:headEnd/>
-            <a:tailEnd/>
-          </a:ln>
-          <a:effectLst>
-            <a:outerShdw dist="53882" dir="2700000" algn="ctr" rotWithShape="0">
-              <a:srgbClr val="C0C0C0"/>
-            </a:outerShdw>
-          </a:effectLst>
-        </p:spPr>
-        <p:txBody>
-          <a:bodyPr wrap="none" tIns="27432" bIns="27432" anchor="ctr"/>
-          <a:lstStyle>
-            <a:lvl1pPr>
-              <a:defRPr sz="3000">
-                <a:solidFill>
-                  <a:schemeClr val="tx1"/>
-                </a:solidFill>
-                <a:latin typeface="Arial Narrow" panose="020B0606020202030204" pitchFamily="34" charset="0"/>
-              </a:defRPr>
-            </a:lvl1pPr>
-            <a:lvl2pPr marL="742950" indent="-285750">
-              <a:defRPr sz="3000">
-                <a:solidFill>
-                  <a:schemeClr val="tx1"/>
-                </a:solidFill>
-                <a:latin typeface="Arial Narrow" panose="020B0606020202030204" pitchFamily="34" charset="0"/>
-              </a:defRPr>
-            </a:lvl2pPr>
-            <a:lvl3pPr marL="1143000" indent="-228600">
-              <a:defRPr sz="3000">
-                <a:solidFill>
-                  <a:schemeClr val="tx1"/>
-                </a:solidFill>
-                <a:latin typeface="Arial Narrow" panose="020B0606020202030204" pitchFamily="34" charset="0"/>
-              </a:defRPr>
-            </a:lvl3pPr>
-            <a:lvl4pPr marL="1600200" indent="-228600">
-              <a:defRPr sz="3000">
-                <a:solidFill>
-                  <a:schemeClr val="tx1"/>
-                </a:solidFill>
-                <a:latin typeface="Arial Narrow" panose="020B0606020202030204" pitchFamily="34" charset="0"/>
-              </a:defRPr>
-            </a:lvl4pPr>
-            <a:lvl5pPr marL="2057400" indent="-228600">
-              <a:defRPr sz="3000">
-                <a:solidFill>
-                  <a:schemeClr val="tx1"/>
-                </a:solidFill>
-                <a:latin typeface="Arial Narrow" panose="020B0606020202030204" pitchFamily="34" charset="0"/>
-              </a:defRPr>
-            </a:lvl5pPr>
-            <a:lvl6pPr marL="2514600" indent="-228600" eaLnBrk="0" fontAlgn="base" hangingPunct="0">
-              <a:spcBef>
-                <a:spcPct val="0"/>
-              </a:spcBef>
-              <a:spcAft>
-                <a:spcPct val="0"/>
-              </a:spcAft>
-              <a:defRPr sz="3000">
-                <a:solidFill>
-                  <a:schemeClr val="tx1"/>
-                </a:solidFill>
-                <a:latin typeface="Arial Narrow" panose="020B0606020202030204" pitchFamily="34" charset="0"/>
-              </a:defRPr>
-            </a:lvl6pPr>
-            <a:lvl7pPr marL="2971800" indent="-228600" eaLnBrk="0" fontAlgn="base" hangingPunct="0">
-              <a:spcBef>
-                <a:spcPct val="0"/>
-              </a:spcBef>
-              <a:spcAft>
-                <a:spcPct val="0"/>
-              </a:spcAft>
-              <a:defRPr sz="3000">
-                <a:solidFill>
-                  <a:schemeClr val="tx1"/>
-                </a:solidFill>
-                <a:latin typeface="Arial Narrow" panose="020B0606020202030204" pitchFamily="34" charset="0"/>
-              </a:defRPr>
-            </a:lvl7pPr>
-            <a:lvl8pPr marL="3429000" indent="-228600" eaLnBrk="0" fontAlgn="base" hangingPunct="0">
-              <a:spcBef>
-                <a:spcPct val="0"/>
-              </a:spcBef>
-              <a:spcAft>
-                <a:spcPct val="0"/>
-              </a:spcAft>
-              <a:defRPr sz="3000">
-                <a:solidFill>
-                  <a:schemeClr val="tx1"/>
-                </a:solidFill>
-                <a:latin typeface="Arial Narrow" panose="020B0606020202030204" pitchFamily="34" charset="0"/>
-              </a:defRPr>
-            </a:lvl8pPr>
-            <a:lvl9pPr marL="3886200" indent="-228600" eaLnBrk="0" fontAlgn="base" hangingPunct="0">
-              <a:spcBef>
-                <a:spcPct val="0"/>
-              </a:spcBef>
-              <a:spcAft>
-                <a:spcPct val="0"/>
-              </a:spcAft>
-              <a:defRPr sz="3000">
-                <a:solidFill>
-                  <a:schemeClr val="tx1"/>
-                </a:solidFill>
-                <a:latin typeface="Arial Narrow" panose="020B0606020202030204" pitchFamily="34" charset="0"/>
-              </a:defRPr>
-            </a:lvl9pPr>
-          </a:lstStyle>
-          <a:p>
-            <a:pPr algn="ctr"/>
-            <a:r>
-              <a:rPr lang="en-US" altLang="fr-FR" sz="1600">
-                <a:solidFill>
-                  <a:srgbClr val="000000"/>
-                </a:solidFill>
-              </a:rPr>
-              <a:t>Instrument </a:t>
-            </a:r>
-            <a:br>
-              <a:rPr lang="en-US" altLang="fr-FR" sz="1600">
-                <a:solidFill>
-                  <a:srgbClr val="000000"/>
-                </a:solidFill>
-              </a:rPr>
-            </a:br>
-            <a:r>
-              <a:rPr lang="en-US" altLang="fr-FR" sz="1600">
-                <a:solidFill>
-                  <a:srgbClr val="000000"/>
-                </a:solidFill>
-              </a:rPr>
-              <a:t>de</a:t>
-            </a:r>
-            <a:r>
-              <a:rPr lang="en-GB" altLang="fr-FR" sz="1600"/>
-              <a:t> </a:t>
-            </a:r>
-            <a:r>
-              <a:rPr lang="en-US" altLang="fr-FR" sz="1600">
-                <a:solidFill>
-                  <a:srgbClr val="000000"/>
-                </a:solidFill>
-              </a:rPr>
-              <a:t>musique</a:t>
-            </a:r>
-            <a:endParaRPr lang="en-GB" altLang="fr-FR" sz="1600">
-              <a:solidFill>
-                <a:srgbClr val="000000"/>
-              </a:solidFill>
-            </a:endParaRPr>
-          </a:p>
-        </p:txBody>
-      </p:sp>
-      <p:sp>
-        <p:nvSpPr>
-          <p:cNvPr id="55306" name="Rectangle 9"/>
-          <p:cNvSpPr>
-            <a:spLocks noChangeArrowheads="1"/>
-          </p:cNvSpPr>
-          <p:nvPr/>
-        </p:nvSpPr>
-        <p:spPr bwMode="auto">
-          <a:xfrm>
-            <a:off x="5334000" y="4800600"/>
-            <a:ext cx="1752600" cy="685800"/>
-          </a:xfrm>
-          <a:prstGeom prst="rect">
-            <a:avLst/>
-          </a:prstGeom>
-          <a:solidFill>
-            <a:schemeClr val="accent1"/>
-          </a:solidFill>
-          <a:ln w="9525" algn="ctr">
-            <a:solidFill>
-              <a:srgbClr val="0033CC"/>
-            </a:solidFill>
-            <a:miter lim="800000"/>
-            <a:headEnd/>
-            <a:tailEnd/>
-          </a:ln>
-          <a:effectLst>
-            <a:outerShdw dist="53882" dir="2700000" algn="ctr" rotWithShape="0">
-              <a:srgbClr val="C0C0C0"/>
-            </a:outerShdw>
-          </a:effectLst>
-        </p:spPr>
-        <p:txBody>
-          <a:bodyPr wrap="none" tIns="27432" bIns="27432" anchor="ctr"/>
-          <a:lstStyle>
-            <a:lvl1pPr>
-              <a:defRPr sz="3000">
-                <a:solidFill>
-                  <a:schemeClr val="tx1"/>
-                </a:solidFill>
-                <a:latin typeface="Arial Narrow" panose="020B0606020202030204" pitchFamily="34" charset="0"/>
-              </a:defRPr>
-            </a:lvl1pPr>
-            <a:lvl2pPr marL="742950" indent="-285750">
-              <a:defRPr sz="3000">
-                <a:solidFill>
-                  <a:schemeClr val="tx1"/>
-                </a:solidFill>
-                <a:latin typeface="Arial Narrow" panose="020B0606020202030204" pitchFamily="34" charset="0"/>
-              </a:defRPr>
-            </a:lvl2pPr>
-            <a:lvl3pPr marL="1143000" indent="-228600">
-              <a:defRPr sz="3000">
-                <a:solidFill>
-                  <a:schemeClr val="tx1"/>
-                </a:solidFill>
-                <a:latin typeface="Arial Narrow" panose="020B0606020202030204" pitchFamily="34" charset="0"/>
-              </a:defRPr>
-            </a:lvl3pPr>
-            <a:lvl4pPr marL="1600200" indent="-228600">
-              <a:defRPr sz="3000">
-                <a:solidFill>
-                  <a:schemeClr val="tx1"/>
-                </a:solidFill>
-                <a:latin typeface="Arial Narrow" panose="020B0606020202030204" pitchFamily="34" charset="0"/>
-              </a:defRPr>
-            </a:lvl4pPr>
-            <a:lvl5pPr marL="2057400" indent="-228600">
-              <a:defRPr sz="3000">
-                <a:solidFill>
-                  <a:schemeClr val="tx1"/>
-                </a:solidFill>
-                <a:latin typeface="Arial Narrow" panose="020B0606020202030204" pitchFamily="34" charset="0"/>
-              </a:defRPr>
-            </a:lvl5pPr>
-            <a:lvl6pPr marL="2514600" indent="-228600" eaLnBrk="0" fontAlgn="base" hangingPunct="0">
-              <a:spcBef>
-                <a:spcPct val="0"/>
-              </a:spcBef>
-              <a:spcAft>
-                <a:spcPct val="0"/>
-              </a:spcAft>
-              <a:defRPr sz="3000">
-                <a:solidFill>
-                  <a:schemeClr val="tx1"/>
-                </a:solidFill>
-                <a:latin typeface="Arial Narrow" panose="020B0606020202030204" pitchFamily="34" charset="0"/>
-              </a:defRPr>
-            </a:lvl6pPr>
-            <a:lvl7pPr marL="2971800" indent="-228600" eaLnBrk="0" fontAlgn="base" hangingPunct="0">
-              <a:spcBef>
-                <a:spcPct val="0"/>
-              </a:spcBef>
-              <a:spcAft>
-                <a:spcPct val="0"/>
-              </a:spcAft>
-              <a:defRPr sz="3000">
-                <a:solidFill>
-                  <a:schemeClr val="tx1"/>
-                </a:solidFill>
-                <a:latin typeface="Arial Narrow" panose="020B0606020202030204" pitchFamily="34" charset="0"/>
-              </a:defRPr>
-            </a:lvl7pPr>
-            <a:lvl8pPr marL="3429000" indent="-228600" eaLnBrk="0" fontAlgn="base" hangingPunct="0">
-              <a:spcBef>
-                <a:spcPct val="0"/>
-              </a:spcBef>
-              <a:spcAft>
-                <a:spcPct val="0"/>
-              </a:spcAft>
-              <a:defRPr sz="3000">
-                <a:solidFill>
-                  <a:schemeClr val="tx1"/>
-                </a:solidFill>
-                <a:latin typeface="Arial Narrow" panose="020B0606020202030204" pitchFamily="34" charset="0"/>
-              </a:defRPr>
-            </a:lvl8pPr>
-            <a:lvl9pPr marL="3886200" indent="-228600" eaLnBrk="0" fontAlgn="base" hangingPunct="0">
-              <a:spcBef>
-                <a:spcPct val="0"/>
-              </a:spcBef>
-              <a:spcAft>
-                <a:spcPct val="0"/>
-              </a:spcAft>
-              <a:defRPr sz="3000">
-                <a:solidFill>
-                  <a:schemeClr val="tx1"/>
-                </a:solidFill>
-                <a:latin typeface="Arial Narrow" panose="020B0606020202030204" pitchFamily="34" charset="0"/>
-              </a:defRPr>
-            </a:lvl9pPr>
-          </a:lstStyle>
-          <a:p>
-            <a:pPr algn="ctr"/>
-            <a:r>
-              <a:rPr lang="en-US" altLang="fr-FR" sz="1600">
-                <a:solidFill>
-                  <a:srgbClr val="000000"/>
-                </a:solidFill>
-              </a:rPr>
-              <a:t>Instrument</a:t>
-            </a:r>
-          </a:p>
-          <a:p>
-            <a:pPr algn="ctr"/>
-            <a:r>
-              <a:rPr lang="en-US" altLang="fr-FR" sz="1600">
-                <a:solidFill>
-                  <a:srgbClr val="000000"/>
-                </a:solidFill>
-              </a:rPr>
-              <a:t>à cordes</a:t>
-            </a:r>
-            <a:endParaRPr lang="en-GB" altLang="fr-FR" sz="1600">
-              <a:solidFill>
-                <a:srgbClr val="000000"/>
-              </a:solidFill>
-            </a:endParaRPr>
-          </a:p>
-        </p:txBody>
-      </p:sp>
-      <p:sp>
-        <p:nvSpPr>
-          <p:cNvPr id="55307" name="AutoShape 10"/>
-          <p:cNvSpPr>
-            <a:spLocks noChangeArrowheads="1"/>
-          </p:cNvSpPr>
-          <p:nvPr/>
-        </p:nvSpPr>
-        <p:spPr bwMode="auto">
-          <a:xfrm>
-            <a:off x="5181600" y="3962400"/>
-            <a:ext cx="304800" cy="304800"/>
-          </a:xfrm>
-          <a:prstGeom prst="triangle">
-            <a:avLst>
-              <a:gd name="adj" fmla="val 50000"/>
-            </a:avLst>
-          </a:prstGeom>
-          <a:solidFill>
-            <a:schemeClr val="bg1"/>
-          </a:solidFill>
-          <a:ln w="9525">
-            <a:solidFill>
-              <a:schemeClr val="tx1"/>
-            </a:solidFill>
-            <a:miter lim="800000"/>
-            <a:headEnd/>
-            <a:tailEnd/>
-          </a:ln>
-          <a:effectLst/>
-          <a:extLst>
-            <a:ext uri="{AF507438-7753-43E0-B8FC-AC1667EBCBE1}">
-              <a14:hiddenEffects xmlns:a14="http://schemas.microsoft.com/office/drawing/2010/main">
-                <a:effectLst>
-                  <a:outerShdw dist="35921" dir="2700000" algn="ctr" rotWithShape="0">
-                    <a:schemeClr val="bg2"/>
-                  </a:outerShdw>
-                </a:effectLst>
-              </a14:hiddenEffects>
-            </a:ext>
-          </a:extLst>
-        </p:spPr>
-        <p:txBody>
-          <a:bodyPr wrap="none" anchor="ctr"/>
-          <a:lstStyle>
-            <a:lvl1pPr>
-              <a:defRPr sz="3000">
-                <a:solidFill>
-                  <a:schemeClr val="tx1"/>
-                </a:solidFill>
-                <a:latin typeface="Arial Narrow" panose="020B0606020202030204" pitchFamily="34" charset="0"/>
-              </a:defRPr>
-            </a:lvl1pPr>
-            <a:lvl2pPr marL="742950" indent="-285750">
-              <a:defRPr sz="3000">
-                <a:solidFill>
-                  <a:schemeClr val="tx1"/>
-                </a:solidFill>
-                <a:latin typeface="Arial Narrow" panose="020B0606020202030204" pitchFamily="34" charset="0"/>
-              </a:defRPr>
-            </a:lvl2pPr>
-            <a:lvl3pPr marL="1143000" indent="-228600">
-              <a:defRPr sz="3000">
-                <a:solidFill>
-                  <a:schemeClr val="tx1"/>
-                </a:solidFill>
-                <a:latin typeface="Arial Narrow" panose="020B0606020202030204" pitchFamily="34" charset="0"/>
-              </a:defRPr>
-            </a:lvl3pPr>
-            <a:lvl4pPr marL="1600200" indent="-228600">
-              <a:defRPr sz="3000">
-                <a:solidFill>
-                  <a:schemeClr val="tx1"/>
-                </a:solidFill>
-                <a:latin typeface="Arial Narrow" panose="020B0606020202030204" pitchFamily="34" charset="0"/>
-              </a:defRPr>
-            </a:lvl4pPr>
-            <a:lvl5pPr marL="2057400" indent="-228600">
-              <a:defRPr sz="3000">
-                <a:solidFill>
-                  <a:schemeClr val="tx1"/>
-                </a:solidFill>
-                <a:latin typeface="Arial Narrow" panose="020B0606020202030204" pitchFamily="34" charset="0"/>
-              </a:defRPr>
-            </a:lvl5pPr>
-            <a:lvl6pPr marL="2514600" indent="-228600" eaLnBrk="0" fontAlgn="base" hangingPunct="0">
-              <a:spcBef>
-                <a:spcPct val="0"/>
-              </a:spcBef>
-              <a:spcAft>
-                <a:spcPct val="0"/>
-              </a:spcAft>
-              <a:defRPr sz="3000">
-                <a:solidFill>
-                  <a:schemeClr val="tx1"/>
-                </a:solidFill>
-                <a:latin typeface="Arial Narrow" panose="020B0606020202030204" pitchFamily="34" charset="0"/>
-              </a:defRPr>
-            </a:lvl6pPr>
-            <a:lvl7pPr marL="2971800" indent="-228600" eaLnBrk="0" fontAlgn="base" hangingPunct="0">
-              <a:spcBef>
-                <a:spcPct val="0"/>
-              </a:spcBef>
-              <a:spcAft>
-                <a:spcPct val="0"/>
-              </a:spcAft>
-              <a:defRPr sz="3000">
-                <a:solidFill>
-                  <a:schemeClr val="tx1"/>
-                </a:solidFill>
-                <a:latin typeface="Arial Narrow" panose="020B0606020202030204" pitchFamily="34" charset="0"/>
-              </a:defRPr>
-            </a:lvl7pPr>
-            <a:lvl8pPr marL="3429000" indent="-228600" eaLnBrk="0" fontAlgn="base" hangingPunct="0">
-              <a:spcBef>
-                <a:spcPct val="0"/>
-              </a:spcBef>
-              <a:spcAft>
-                <a:spcPct val="0"/>
-              </a:spcAft>
-              <a:defRPr sz="3000">
-                <a:solidFill>
-                  <a:schemeClr val="tx1"/>
-                </a:solidFill>
-                <a:latin typeface="Arial Narrow" panose="020B0606020202030204" pitchFamily="34" charset="0"/>
-              </a:defRPr>
-            </a:lvl8pPr>
-            <a:lvl9pPr marL="3886200" indent="-228600" eaLnBrk="0" fontAlgn="base" hangingPunct="0">
-              <a:spcBef>
-                <a:spcPct val="0"/>
-              </a:spcBef>
-              <a:spcAft>
-                <a:spcPct val="0"/>
-              </a:spcAft>
-              <a:defRPr sz="3000">
-                <a:solidFill>
-                  <a:schemeClr val="tx1"/>
-                </a:solidFill>
-                <a:latin typeface="Arial Narrow" panose="020B0606020202030204" pitchFamily="34" charset="0"/>
-              </a:defRPr>
-            </a:lvl9pPr>
-          </a:lstStyle>
-          <a:p>
-            <a:endParaRPr lang="fr-FR" altLang="fr-FR"/>
-          </a:p>
-        </p:txBody>
-      </p:sp>
-      <p:sp>
-        <p:nvSpPr>
-          <p:cNvPr id="55308" name="Rectangle 11"/>
-          <p:cNvSpPr>
-            <a:spLocks noChangeArrowheads="1"/>
-          </p:cNvSpPr>
-          <p:nvPr/>
-        </p:nvSpPr>
-        <p:spPr bwMode="auto">
-          <a:xfrm>
-            <a:off x="6324600" y="3276600"/>
-            <a:ext cx="1447800" cy="685800"/>
-          </a:xfrm>
-          <a:prstGeom prst="rect">
-            <a:avLst/>
-          </a:prstGeom>
-          <a:solidFill>
-            <a:schemeClr val="accent1"/>
-          </a:solidFill>
-          <a:ln w="9525" algn="ctr">
-            <a:solidFill>
-              <a:srgbClr val="0033CC"/>
-            </a:solidFill>
-            <a:miter lim="800000"/>
-            <a:headEnd/>
-            <a:tailEnd/>
-          </a:ln>
-          <a:effectLst>
-            <a:outerShdw dist="53882" dir="2700000" algn="ctr" rotWithShape="0">
-              <a:srgbClr val="C0C0C0"/>
-            </a:outerShdw>
-          </a:effectLst>
-        </p:spPr>
-        <p:txBody>
-          <a:bodyPr wrap="none" tIns="27432" bIns="27432" anchor="ctr"/>
-          <a:lstStyle>
-            <a:lvl1pPr>
-              <a:defRPr sz="3000">
-                <a:solidFill>
-                  <a:schemeClr val="tx1"/>
-                </a:solidFill>
-                <a:latin typeface="Arial Narrow" panose="020B0606020202030204" pitchFamily="34" charset="0"/>
-              </a:defRPr>
-            </a:lvl1pPr>
-            <a:lvl2pPr marL="742950" indent="-285750">
-              <a:defRPr sz="3000">
-                <a:solidFill>
-                  <a:schemeClr val="tx1"/>
-                </a:solidFill>
-                <a:latin typeface="Arial Narrow" panose="020B0606020202030204" pitchFamily="34" charset="0"/>
-              </a:defRPr>
-            </a:lvl2pPr>
-            <a:lvl3pPr marL="1143000" indent="-228600">
-              <a:defRPr sz="3000">
-                <a:solidFill>
-                  <a:schemeClr val="tx1"/>
-                </a:solidFill>
-                <a:latin typeface="Arial Narrow" panose="020B0606020202030204" pitchFamily="34" charset="0"/>
-              </a:defRPr>
-            </a:lvl3pPr>
-            <a:lvl4pPr marL="1600200" indent="-228600">
-              <a:defRPr sz="3000">
-                <a:solidFill>
-                  <a:schemeClr val="tx1"/>
-                </a:solidFill>
-                <a:latin typeface="Arial Narrow" panose="020B0606020202030204" pitchFamily="34" charset="0"/>
-              </a:defRPr>
-            </a:lvl4pPr>
-            <a:lvl5pPr marL="2057400" indent="-228600">
-              <a:defRPr sz="3000">
-                <a:solidFill>
-                  <a:schemeClr val="tx1"/>
-                </a:solidFill>
-                <a:latin typeface="Arial Narrow" panose="020B0606020202030204" pitchFamily="34" charset="0"/>
-              </a:defRPr>
-            </a:lvl5pPr>
-            <a:lvl6pPr marL="2514600" indent="-228600" eaLnBrk="0" fontAlgn="base" hangingPunct="0">
-              <a:spcBef>
-                <a:spcPct val="0"/>
-              </a:spcBef>
-              <a:spcAft>
-                <a:spcPct val="0"/>
-              </a:spcAft>
-              <a:defRPr sz="3000">
-                <a:solidFill>
-                  <a:schemeClr val="tx1"/>
-                </a:solidFill>
-                <a:latin typeface="Arial Narrow" panose="020B0606020202030204" pitchFamily="34" charset="0"/>
-              </a:defRPr>
-            </a:lvl6pPr>
-            <a:lvl7pPr marL="2971800" indent="-228600" eaLnBrk="0" fontAlgn="base" hangingPunct="0">
-              <a:spcBef>
-                <a:spcPct val="0"/>
-              </a:spcBef>
-              <a:spcAft>
-                <a:spcPct val="0"/>
-              </a:spcAft>
-              <a:defRPr sz="3000">
-                <a:solidFill>
-                  <a:schemeClr val="tx1"/>
-                </a:solidFill>
-                <a:latin typeface="Arial Narrow" panose="020B0606020202030204" pitchFamily="34" charset="0"/>
-              </a:defRPr>
-            </a:lvl7pPr>
-            <a:lvl8pPr marL="3429000" indent="-228600" eaLnBrk="0" fontAlgn="base" hangingPunct="0">
-              <a:spcBef>
-                <a:spcPct val="0"/>
-              </a:spcBef>
-              <a:spcAft>
-                <a:spcPct val="0"/>
-              </a:spcAft>
-              <a:defRPr sz="3000">
-                <a:solidFill>
-                  <a:schemeClr val="tx1"/>
-                </a:solidFill>
-                <a:latin typeface="Arial Narrow" panose="020B0606020202030204" pitchFamily="34" charset="0"/>
-              </a:defRPr>
-            </a:lvl8pPr>
-            <a:lvl9pPr marL="3886200" indent="-228600" eaLnBrk="0" fontAlgn="base" hangingPunct="0">
-              <a:spcBef>
-                <a:spcPct val="0"/>
-              </a:spcBef>
-              <a:spcAft>
-                <a:spcPct val="0"/>
-              </a:spcAft>
-              <a:defRPr sz="3000">
-                <a:solidFill>
-                  <a:schemeClr val="tx1"/>
-                </a:solidFill>
-                <a:latin typeface="Arial Narrow" panose="020B0606020202030204" pitchFamily="34" charset="0"/>
-              </a:defRPr>
-            </a:lvl9pPr>
-          </a:lstStyle>
-          <a:p>
-            <a:pPr algn="ctr"/>
-            <a:r>
-              <a:rPr lang="en-US" altLang="fr-FR" sz="1600">
-                <a:solidFill>
-                  <a:srgbClr val="000000"/>
-                </a:solidFill>
-              </a:rPr>
-              <a:t>Cordes pincées</a:t>
-            </a:r>
-            <a:endParaRPr lang="en-GB" altLang="fr-FR" sz="1600"/>
-          </a:p>
-        </p:txBody>
-      </p:sp>
-      <p:sp>
-        <p:nvSpPr>
-          <p:cNvPr id="55309" name="AutoShape 12"/>
-          <p:cNvSpPr>
-            <a:spLocks noChangeArrowheads="1"/>
-          </p:cNvSpPr>
-          <p:nvPr/>
-        </p:nvSpPr>
-        <p:spPr bwMode="auto">
-          <a:xfrm>
-            <a:off x="6858000" y="3962400"/>
-            <a:ext cx="304800" cy="304800"/>
-          </a:xfrm>
-          <a:prstGeom prst="triangle">
-            <a:avLst>
-              <a:gd name="adj" fmla="val 50000"/>
-            </a:avLst>
-          </a:prstGeom>
-          <a:solidFill>
-            <a:schemeClr val="bg1"/>
-          </a:solidFill>
-          <a:ln w="9525">
-            <a:solidFill>
-              <a:schemeClr val="tx1"/>
-            </a:solidFill>
-            <a:miter lim="800000"/>
-            <a:headEnd/>
-            <a:tailEnd/>
-          </a:ln>
-          <a:effectLst/>
-          <a:extLst>
-            <a:ext uri="{AF507438-7753-43E0-B8FC-AC1667EBCBE1}">
-              <a14:hiddenEffects xmlns:a14="http://schemas.microsoft.com/office/drawing/2010/main">
-                <a:effectLst>
-                  <a:outerShdw dist="35921" dir="2700000" algn="ctr" rotWithShape="0">
-                    <a:schemeClr val="bg2"/>
-                  </a:outerShdw>
-                </a:effectLst>
-              </a14:hiddenEffects>
-            </a:ext>
-          </a:extLst>
-        </p:spPr>
-        <p:txBody>
-          <a:bodyPr wrap="none" anchor="ctr"/>
-          <a:lstStyle>
-            <a:lvl1pPr>
-              <a:defRPr sz="3000">
-                <a:solidFill>
-                  <a:schemeClr val="tx1"/>
-                </a:solidFill>
-                <a:latin typeface="Arial Narrow" panose="020B0606020202030204" pitchFamily="34" charset="0"/>
-              </a:defRPr>
-            </a:lvl1pPr>
-            <a:lvl2pPr marL="742950" indent="-285750">
-              <a:defRPr sz="3000">
-                <a:solidFill>
-                  <a:schemeClr val="tx1"/>
-                </a:solidFill>
-                <a:latin typeface="Arial Narrow" panose="020B0606020202030204" pitchFamily="34" charset="0"/>
-              </a:defRPr>
-            </a:lvl2pPr>
-            <a:lvl3pPr marL="1143000" indent="-228600">
-              <a:defRPr sz="3000">
-                <a:solidFill>
-                  <a:schemeClr val="tx1"/>
-                </a:solidFill>
-                <a:latin typeface="Arial Narrow" panose="020B0606020202030204" pitchFamily="34" charset="0"/>
-              </a:defRPr>
-            </a:lvl3pPr>
-            <a:lvl4pPr marL="1600200" indent="-228600">
-              <a:defRPr sz="3000">
-                <a:solidFill>
-                  <a:schemeClr val="tx1"/>
-                </a:solidFill>
-                <a:latin typeface="Arial Narrow" panose="020B0606020202030204" pitchFamily="34" charset="0"/>
-              </a:defRPr>
-            </a:lvl4pPr>
-            <a:lvl5pPr marL="2057400" indent="-228600">
-              <a:defRPr sz="3000">
-                <a:solidFill>
-                  <a:schemeClr val="tx1"/>
-                </a:solidFill>
-                <a:latin typeface="Arial Narrow" panose="020B0606020202030204" pitchFamily="34" charset="0"/>
-              </a:defRPr>
-            </a:lvl5pPr>
-            <a:lvl6pPr marL="2514600" indent="-228600" eaLnBrk="0" fontAlgn="base" hangingPunct="0">
-              <a:spcBef>
-                <a:spcPct val="0"/>
-              </a:spcBef>
-              <a:spcAft>
-                <a:spcPct val="0"/>
-              </a:spcAft>
-              <a:defRPr sz="3000">
-                <a:solidFill>
-                  <a:schemeClr val="tx1"/>
-                </a:solidFill>
-                <a:latin typeface="Arial Narrow" panose="020B0606020202030204" pitchFamily="34" charset="0"/>
-              </a:defRPr>
-            </a:lvl6pPr>
-            <a:lvl7pPr marL="2971800" indent="-228600" eaLnBrk="0" fontAlgn="base" hangingPunct="0">
-              <a:spcBef>
-                <a:spcPct val="0"/>
-              </a:spcBef>
-              <a:spcAft>
-                <a:spcPct val="0"/>
-              </a:spcAft>
-              <a:defRPr sz="3000">
-                <a:solidFill>
-                  <a:schemeClr val="tx1"/>
-                </a:solidFill>
-                <a:latin typeface="Arial Narrow" panose="020B0606020202030204" pitchFamily="34" charset="0"/>
-              </a:defRPr>
-            </a:lvl7pPr>
-            <a:lvl8pPr marL="3429000" indent="-228600" eaLnBrk="0" fontAlgn="base" hangingPunct="0">
-              <a:spcBef>
-                <a:spcPct val="0"/>
-              </a:spcBef>
-              <a:spcAft>
-                <a:spcPct val="0"/>
-              </a:spcAft>
-              <a:defRPr sz="3000">
-                <a:solidFill>
-                  <a:schemeClr val="tx1"/>
-                </a:solidFill>
-                <a:latin typeface="Arial Narrow" panose="020B0606020202030204" pitchFamily="34" charset="0"/>
-              </a:defRPr>
-            </a:lvl8pPr>
-            <a:lvl9pPr marL="3886200" indent="-228600" eaLnBrk="0" fontAlgn="base" hangingPunct="0">
-              <a:spcBef>
-                <a:spcPct val="0"/>
-              </a:spcBef>
-              <a:spcAft>
-                <a:spcPct val="0"/>
-              </a:spcAft>
-              <a:defRPr sz="3000">
-                <a:solidFill>
-                  <a:schemeClr val="tx1"/>
-                </a:solidFill>
-                <a:latin typeface="Arial Narrow" panose="020B0606020202030204" pitchFamily="34" charset="0"/>
-              </a:defRPr>
-            </a:lvl9pPr>
-          </a:lstStyle>
-          <a:p>
-            <a:endParaRPr lang="fr-FR" altLang="fr-FR"/>
-          </a:p>
-        </p:txBody>
-      </p:sp>
-      <p:cxnSp>
-        <p:nvCxnSpPr>
-          <p:cNvPr id="55310" name="AutoShape 13"/>
-          <p:cNvCxnSpPr>
-            <a:cxnSpLocks noChangeShapeType="1"/>
-            <a:stCxn id="55307" idx="3"/>
-            <a:endCxn id="55306" idx="0"/>
-          </p:cNvCxnSpPr>
-          <p:nvPr/>
-        </p:nvCxnSpPr>
-        <p:spPr bwMode="auto">
-          <a:xfrm rot="16200000" flipH="1">
-            <a:off x="5505450" y="4095750"/>
-            <a:ext cx="533400" cy="876300"/>
-          </a:xfrm>
-          <a:prstGeom prst="bentConnector3">
-            <a:avLst>
-              <a:gd name="adj1" fmla="val 50000"/>
-            </a:avLst>
-          </a:prstGeom>
-          <a:noFill/>
-          <a:ln w="9525">
-            <a:solidFill>
-              <a:schemeClr val="tx1"/>
-            </a:solidFill>
-            <a:miter lim="800000"/>
-            <a:headEnd/>
-            <a:tailEnd/>
-          </a:ln>
-          <a:effectLst/>
-          <a:extLst>
-            <a:ext uri="{909E8E84-426E-40DD-AFC4-6F175D3DCCD1}">
-              <a14:hiddenFill xmlns:a14="http://schemas.microsoft.com/office/drawing/2010/main">
-                <a:noFill/>
-              </a14:hiddenFill>
-            </a:ext>
-            <a:ext uri="{AF507438-7753-43E0-B8FC-AC1667EBCBE1}">
-              <a14:hiddenEffects xmlns:a14="http://schemas.microsoft.com/office/drawing/2010/main">
-                <a:effectLst>
-                  <a:outerShdw dist="35921" dir="2700000" algn="ctr" rotWithShape="0">
-                    <a:schemeClr val="bg2"/>
-                  </a:outerShdw>
-                </a:effectLst>
-              </a14:hiddenEffects>
-            </a:ext>
-          </a:extLst>
-        </p:spPr>
-      </p:cxnSp>
-      <p:cxnSp>
-        <p:nvCxnSpPr>
-          <p:cNvPr id="55311" name="AutoShape 14"/>
-          <p:cNvCxnSpPr>
-            <a:cxnSpLocks noChangeShapeType="1"/>
-            <a:stCxn id="55309" idx="3"/>
-            <a:endCxn id="55306" idx="0"/>
-          </p:cNvCxnSpPr>
-          <p:nvPr/>
-        </p:nvCxnSpPr>
-        <p:spPr bwMode="auto">
-          <a:xfrm rot="5400000">
-            <a:off x="6343650" y="4133850"/>
-            <a:ext cx="533400" cy="800100"/>
-          </a:xfrm>
-          <a:prstGeom prst="bentConnector3">
-            <a:avLst>
-              <a:gd name="adj1" fmla="val 50000"/>
-            </a:avLst>
-          </a:prstGeom>
-          <a:noFill/>
-          <a:ln w="9525">
-            <a:solidFill>
-              <a:schemeClr val="tx1"/>
-            </a:solidFill>
-            <a:miter lim="800000"/>
-            <a:headEnd/>
-            <a:tailEnd/>
-          </a:ln>
-          <a:effectLst/>
-          <a:extLst>
-            <a:ext uri="{909E8E84-426E-40DD-AFC4-6F175D3DCCD1}">
-              <a14:hiddenFill xmlns:a14="http://schemas.microsoft.com/office/drawing/2010/main">
-                <a:noFill/>
-              </a14:hiddenFill>
-            </a:ext>
-            <a:ext uri="{AF507438-7753-43E0-B8FC-AC1667EBCBE1}">
-              <a14:hiddenEffects xmlns:a14="http://schemas.microsoft.com/office/drawing/2010/main">
-                <a:effectLst>
-                  <a:outerShdw dist="35921" dir="2700000" algn="ctr" rotWithShape="0">
-                    <a:schemeClr val="bg2"/>
-                  </a:outerShdw>
-                </a:effectLst>
-              </a14:hiddenEffects>
-            </a:ext>
-          </a:extLst>
-        </p:spPr>
-      </p:cxnSp>
-      <p:sp>
-        <p:nvSpPr>
-          <p:cNvPr id="55312" name="Text Box 15"/>
-          <p:cNvSpPr txBox="1">
-            <a:spLocks noChangeArrowheads="1"/>
-          </p:cNvSpPr>
-          <p:nvPr/>
-        </p:nvSpPr>
-        <p:spPr bwMode="auto">
-          <a:xfrm>
-            <a:off x="1676400" y="5514975"/>
-            <a:ext cx="2362200" cy="581025"/>
-          </a:xfrm>
-          <a:prstGeom prst="rect">
-            <a:avLst/>
-          </a:prstGeom>
-          <a:noFill/>
-          <a:ln>
-            <a:noFill/>
-          </a:ln>
-          <a:effectLst/>
-          <a:extLst>
-            <a:ext uri="{909E8E84-426E-40DD-AFC4-6F175D3DCCD1}">
-              <a14:hiddenFill xmlns:a14="http://schemas.microsoft.com/office/drawing/2010/main">
-                <a:solidFill>
-                  <a:schemeClr val="accent1"/>
-                </a:solidFill>
-              </a14:hiddenFill>
-            </a:ext>
-            <a:ext uri="{91240B29-F687-4F45-9708-019B960494DF}">
-              <a14:hiddenLine xmlns:a14="http://schemas.microsoft.com/office/drawing/2010/main" w="9525">
-                <a:solidFill>
-                  <a:schemeClr val="tx1"/>
-                </a:solidFill>
-                <a:miter lim="800000"/>
-                <a:headEnd/>
-                <a:tailEnd/>
-              </a14:hiddenLine>
-            </a:ext>
-            <a:ext uri="{AF507438-7753-43E0-B8FC-AC1667EBCBE1}">
-              <a14:hiddenEffects xmlns:a14="http://schemas.microsoft.com/office/drawing/2010/main">
-                <a:effectLst>
-                  <a:outerShdw dist="35921" dir="2700000" algn="ctr" rotWithShape="0">
-                    <a:schemeClr val="bg2"/>
-                  </a:outerShdw>
-                </a:effectLst>
-              </a14:hiddenEffects>
-            </a:ext>
-          </a:extLst>
-        </p:spPr>
-        <p:txBody>
-          <a:bodyPr>
-            <a:spAutoFit/>
-          </a:bodyPr>
-          <a:lstStyle>
-            <a:lvl1pPr>
-              <a:defRPr sz="3000">
-                <a:solidFill>
-                  <a:schemeClr val="tx1"/>
-                </a:solidFill>
-                <a:latin typeface="Arial Narrow" panose="020B0606020202030204" pitchFamily="34" charset="0"/>
-              </a:defRPr>
-            </a:lvl1pPr>
-            <a:lvl2pPr marL="742950" indent="-285750">
-              <a:defRPr sz="3000">
-                <a:solidFill>
-                  <a:schemeClr val="tx1"/>
-                </a:solidFill>
-                <a:latin typeface="Arial Narrow" panose="020B0606020202030204" pitchFamily="34" charset="0"/>
-              </a:defRPr>
-            </a:lvl2pPr>
-            <a:lvl3pPr marL="1143000" indent="-228600">
-              <a:defRPr sz="3000">
-                <a:solidFill>
-                  <a:schemeClr val="tx1"/>
-                </a:solidFill>
-                <a:latin typeface="Arial Narrow" panose="020B0606020202030204" pitchFamily="34" charset="0"/>
-              </a:defRPr>
-            </a:lvl3pPr>
-            <a:lvl4pPr marL="1600200" indent="-228600">
-              <a:defRPr sz="3000">
-                <a:solidFill>
-                  <a:schemeClr val="tx1"/>
-                </a:solidFill>
-                <a:latin typeface="Arial Narrow" panose="020B0606020202030204" pitchFamily="34" charset="0"/>
-              </a:defRPr>
-            </a:lvl4pPr>
-            <a:lvl5pPr marL="2057400" indent="-228600">
-              <a:defRPr sz="3000">
-                <a:solidFill>
-                  <a:schemeClr val="tx1"/>
-                </a:solidFill>
-                <a:latin typeface="Arial Narrow" panose="020B0606020202030204" pitchFamily="34" charset="0"/>
-              </a:defRPr>
-            </a:lvl5pPr>
-            <a:lvl6pPr marL="2514600" indent="-228600" eaLnBrk="0" fontAlgn="base" hangingPunct="0">
-              <a:spcBef>
-                <a:spcPct val="0"/>
-              </a:spcBef>
-              <a:spcAft>
-                <a:spcPct val="0"/>
-              </a:spcAft>
-              <a:defRPr sz="3000">
-                <a:solidFill>
-                  <a:schemeClr val="tx1"/>
-                </a:solidFill>
-                <a:latin typeface="Arial Narrow" panose="020B0606020202030204" pitchFamily="34" charset="0"/>
-              </a:defRPr>
-            </a:lvl6pPr>
-            <a:lvl7pPr marL="2971800" indent="-228600" eaLnBrk="0" fontAlgn="base" hangingPunct="0">
-              <a:spcBef>
-                <a:spcPct val="0"/>
-              </a:spcBef>
-              <a:spcAft>
-                <a:spcPct val="0"/>
-              </a:spcAft>
-              <a:defRPr sz="3000">
-                <a:solidFill>
-                  <a:schemeClr val="tx1"/>
-                </a:solidFill>
-                <a:latin typeface="Arial Narrow" panose="020B0606020202030204" pitchFamily="34" charset="0"/>
-              </a:defRPr>
-            </a:lvl7pPr>
-            <a:lvl8pPr marL="3429000" indent="-228600" eaLnBrk="0" fontAlgn="base" hangingPunct="0">
-              <a:spcBef>
-                <a:spcPct val="0"/>
-              </a:spcBef>
-              <a:spcAft>
-                <a:spcPct val="0"/>
-              </a:spcAft>
-              <a:defRPr sz="3000">
-                <a:solidFill>
-                  <a:schemeClr val="tx1"/>
-                </a:solidFill>
-                <a:latin typeface="Arial Narrow" panose="020B0606020202030204" pitchFamily="34" charset="0"/>
-              </a:defRPr>
-            </a:lvl8pPr>
-            <a:lvl9pPr marL="3886200" indent="-228600" eaLnBrk="0" fontAlgn="base" hangingPunct="0">
-              <a:spcBef>
-                <a:spcPct val="0"/>
-              </a:spcBef>
-              <a:spcAft>
-                <a:spcPct val="0"/>
-              </a:spcAft>
-              <a:defRPr sz="3000">
-                <a:solidFill>
-                  <a:schemeClr val="tx1"/>
-                </a:solidFill>
-                <a:latin typeface="Arial Narrow" panose="020B0606020202030204" pitchFamily="34" charset="0"/>
-              </a:defRPr>
-            </a:lvl9pPr>
-          </a:lstStyle>
-          <a:p>
-            <a:r>
-              <a:rPr lang="en-US" altLang="fr-FR" sz="1600" b="1">
-                <a:solidFill>
-                  <a:srgbClr val="000000"/>
-                </a:solidFill>
-              </a:rPr>
-              <a:t>Violon</a:t>
-            </a:r>
-            <a:r>
-              <a:rPr lang="en-US" altLang="fr-FR" sz="1600">
-                <a:solidFill>
-                  <a:srgbClr val="000000"/>
-                </a:solidFill>
-              </a:rPr>
-              <a:t> a une seule classe </a:t>
-            </a:r>
-            <a:br>
-              <a:rPr lang="en-US" altLang="fr-FR" sz="1600">
-                <a:solidFill>
-                  <a:srgbClr val="000000"/>
-                </a:solidFill>
-              </a:rPr>
-            </a:br>
-            <a:r>
-              <a:rPr lang="en-US" altLang="fr-FR" sz="1600">
-                <a:solidFill>
-                  <a:srgbClr val="000000"/>
-                </a:solidFill>
-              </a:rPr>
-              <a:t>de base directe</a:t>
-            </a:r>
-            <a:endParaRPr lang="en-GB" altLang="fr-FR" sz="1600"/>
-          </a:p>
-        </p:txBody>
-      </p:sp>
-      <p:sp>
-        <p:nvSpPr>
-          <p:cNvPr id="55313" name="Text Box 16"/>
-          <p:cNvSpPr txBox="1">
-            <a:spLocks noChangeArrowheads="1"/>
-          </p:cNvSpPr>
-          <p:nvPr/>
-        </p:nvSpPr>
-        <p:spPr bwMode="auto">
-          <a:xfrm>
-            <a:off x="5257800" y="5514975"/>
-            <a:ext cx="2362200" cy="581025"/>
-          </a:xfrm>
-          <a:prstGeom prst="rect">
-            <a:avLst/>
-          </a:prstGeom>
-          <a:noFill/>
-          <a:ln>
-            <a:noFill/>
-          </a:ln>
-          <a:effectLst/>
-          <a:extLst>
-            <a:ext uri="{909E8E84-426E-40DD-AFC4-6F175D3DCCD1}">
-              <a14:hiddenFill xmlns:a14="http://schemas.microsoft.com/office/drawing/2010/main">
-                <a:solidFill>
-                  <a:schemeClr val="accent1"/>
-                </a:solidFill>
-              </a14:hiddenFill>
-            </a:ext>
-            <a:ext uri="{91240B29-F687-4F45-9708-019B960494DF}">
-              <a14:hiddenLine xmlns:a14="http://schemas.microsoft.com/office/drawing/2010/main" w="9525">
-                <a:solidFill>
-                  <a:schemeClr val="tx1"/>
-                </a:solidFill>
-                <a:miter lim="800000"/>
-                <a:headEnd/>
-                <a:tailEnd/>
-              </a14:hiddenLine>
-            </a:ext>
-            <a:ext uri="{AF507438-7753-43E0-B8FC-AC1667EBCBE1}">
-              <a14:hiddenEffects xmlns:a14="http://schemas.microsoft.com/office/drawing/2010/main">
-                <a:effectLst>
-                  <a:outerShdw dist="35921" dir="2700000" algn="ctr" rotWithShape="0">
-                    <a:schemeClr val="bg2"/>
-                  </a:outerShdw>
-                </a:effectLst>
-              </a14:hiddenEffects>
-            </a:ext>
-          </a:extLst>
-        </p:spPr>
-        <p:txBody>
-          <a:bodyPr>
-            <a:spAutoFit/>
-          </a:bodyPr>
-          <a:lstStyle>
-            <a:lvl1pPr>
-              <a:defRPr sz="3000">
-                <a:solidFill>
-                  <a:schemeClr val="tx1"/>
-                </a:solidFill>
-                <a:latin typeface="Arial Narrow" panose="020B0606020202030204" pitchFamily="34" charset="0"/>
-              </a:defRPr>
-            </a:lvl1pPr>
-            <a:lvl2pPr marL="742950" indent="-285750">
-              <a:defRPr sz="3000">
-                <a:solidFill>
-                  <a:schemeClr val="tx1"/>
-                </a:solidFill>
-                <a:latin typeface="Arial Narrow" panose="020B0606020202030204" pitchFamily="34" charset="0"/>
-              </a:defRPr>
-            </a:lvl2pPr>
-            <a:lvl3pPr marL="1143000" indent="-228600">
-              <a:defRPr sz="3000">
-                <a:solidFill>
-                  <a:schemeClr val="tx1"/>
-                </a:solidFill>
-                <a:latin typeface="Arial Narrow" panose="020B0606020202030204" pitchFamily="34" charset="0"/>
-              </a:defRPr>
-            </a:lvl3pPr>
-            <a:lvl4pPr marL="1600200" indent="-228600">
-              <a:defRPr sz="3000">
-                <a:solidFill>
-                  <a:schemeClr val="tx1"/>
-                </a:solidFill>
-                <a:latin typeface="Arial Narrow" panose="020B0606020202030204" pitchFamily="34" charset="0"/>
-              </a:defRPr>
-            </a:lvl4pPr>
-            <a:lvl5pPr marL="2057400" indent="-228600">
-              <a:defRPr sz="3000">
-                <a:solidFill>
-                  <a:schemeClr val="tx1"/>
-                </a:solidFill>
-                <a:latin typeface="Arial Narrow" panose="020B0606020202030204" pitchFamily="34" charset="0"/>
-              </a:defRPr>
-            </a:lvl5pPr>
-            <a:lvl6pPr marL="2514600" indent="-228600" eaLnBrk="0" fontAlgn="base" hangingPunct="0">
-              <a:spcBef>
-                <a:spcPct val="0"/>
-              </a:spcBef>
-              <a:spcAft>
-                <a:spcPct val="0"/>
-              </a:spcAft>
-              <a:defRPr sz="3000">
-                <a:solidFill>
-                  <a:schemeClr val="tx1"/>
-                </a:solidFill>
-                <a:latin typeface="Arial Narrow" panose="020B0606020202030204" pitchFamily="34" charset="0"/>
-              </a:defRPr>
-            </a:lvl6pPr>
-            <a:lvl7pPr marL="2971800" indent="-228600" eaLnBrk="0" fontAlgn="base" hangingPunct="0">
-              <a:spcBef>
-                <a:spcPct val="0"/>
-              </a:spcBef>
-              <a:spcAft>
-                <a:spcPct val="0"/>
-              </a:spcAft>
-              <a:defRPr sz="3000">
-                <a:solidFill>
-                  <a:schemeClr val="tx1"/>
-                </a:solidFill>
-                <a:latin typeface="Arial Narrow" panose="020B0606020202030204" pitchFamily="34" charset="0"/>
-              </a:defRPr>
-            </a:lvl7pPr>
-            <a:lvl8pPr marL="3429000" indent="-228600" eaLnBrk="0" fontAlgn="base" hangingPunct="0">
-              <a:spcBef>
-                <a:spcPct val="0"/>
-              </a:spcBef>
-              <a:spcAft>
-                <a:spcPct val="0"/>
-              </a:spcAft>
-              <a:defRPr sz="3000">
-                <a:solidFill>
-                  <a:schemeClr val="tx1"/>
-                </a:solidFill>
-                <a:latin typeface="Arial Narrow" panose="020B0606020202030204" pitchFamily="34" charset="0"/>
-              </a:defRPr>
-            </a:lvl8pPr>
-            <a:lvl9pPr marL="3886200" indent="-228600" eaLnBrk="0" fontAlgn="base" hangingPunct="0">
-              <a:spcBef>
-                <a:spcPct val="0"/>
-              </a:spcBef>
-              <a:spcAft>
-                <a:spcPct val="0"/>
-              </a:spcAft>
-              <a:defRPr sz="3000">
-                <a:solidFill>
-                  <a:schemeClr val="tx1"/>
-                </a:solidFill>
-                <a:latin typeface="Arial Narrow" panose="020B0606020202030204" pitchFamily="34" charset="0"/>
-              </a:defRPr>
-            </a:lvl9pPr>
-          </a:lstStyle>
-          <a:p>
-            <a:r>
-              <a:rPr lang="en-US" altLang="fr-FR" sz="1600" b="1">
-                <a:solidFill>
-                  <a:srgbClr val="000000"/>
-                </a:solidFill>
-              </a:rPr>
-              <a:t>Instrument à cordes</a:t>
-            </a:r>
-            <a:r>
-              <a:rPr lang="en-US" altLang="fr-FR" sz="1600">
-                <a:solidFill>
-                  <a:srgbClr val="000000"/>
-                </a:solidFill>
-              </a:rPr>
-              <a:t> a deux classes de base directes</a:t>
-            </a:r>
-            <a:endParaRPr lang="en-GB" altLang="fr-FR" sz="1600"/>
-          </a:p>
-        </p:txBody>
-      </p:sp>
-    </p:spTree>
-    <p:extLst>
-      <p:ext uri="{BB962C8B-B14F-4D97-AF65-F5344CB8AC3E}">
-        <p14:creationId xmlns:p14="http://schemas.microsoft.com/office/powerpoint/2010/main" val="152064929"/>
-      </p:ext>
-    </p:extLst>
-  </p:cSld>
-  <p:clrMapOvr>
-    <a:masterClrMapping/>
-  </p:clrMapOvr>
-</p:sld>
-</file>
-
-<file path=ppt/slides/slide11.xml><?xml version="1.0" encoding="utf-8"?>
-<p:sld xmlns:a="http://schemas.openxmlformats.org/drawingml/2006/main" xmlns:r="http://schemas.openxmlformats.org/officeDocument/2006/relationships" xmlns:p="http://schemas.openxmlformats.org/presentationml/2006/main">
-  <p:cSld>
-    <p:spTree>
-      <p:nvGrpSpPr>
-        <p:cNvPr id="1" name=""/>
-        <p:cNvGrpSpPr/>
-        <p:nvPr/>
-      </p:nvGrpSpPr>
-      <p:grpSpPr>
-        <a:xfrm>
-          <a:off x="0" y="0"/>
-          <a:ext cx="0" cy="0"/>
-          <a:chOff x="0" y="0"/>
-          <a:chExt cx="0" cy="0"/>
-        </a:xfrm>
-      </p:grpSpPr>
-      <p:sp>
-        <p:nvSpPr>
           <p:cNvPr id="2" name="Titre 1"/>
           <p:cNvSpPr>
             <a:spLocks noGrp="1"/>
@@ -11990,15 +9888,7 @@
           <a:p>
             <a:r>
               <a:rPr lang="fr-FR" dirty="0"/>
-              <a:t>__</a:t>
-            </a:r>
-            <a:r>
-              <a:rPr lang="fr-FR" dirty="0" err="1"/>
-              <a:t>str</a:t>
-            </a:r>
-            <a:r>
-              <a:rPr lang="fr-FR" dirty="0"/>
-              <a:t>__</a:t>
+              <a:t>Héritage de constructeur</a:t>
             </a:r>
           </a:p>
         </p:txBody>
@@ -12020,70 +9910,27 @@
           <a:p>
             <a:r>
               <a:rPr lang="fr-FR" dirty="0"/>
-              <a:t>Equivalent à __</a:t>
-            </a:r>
-            <a:r>
-              <a:rPr lang="fr-FR" dirty="0" err="1"/>
-              <a:t>repr</a:t>
-            </a:r>
+              <a:t>Pour pouvoir accéder aux données des super classes il faut appeler le constructeur de la classe de base</a:t>
+            </a:r>
+          </a:p>
+          <a:p>
+            <a:pPr lvl="1"/>
             <a:r>
               <a:rPr lang="fr-FR" dirty="0"/>
-              <a:t>__ mais uniquement pour </a:t>
-            </a:r>
-            <a:r>
-              <a:rPr lang="fr-FR" dirty="0" err="1"/>
-              <a:t>print</a:t>
-            </a:r>
+              <a:t>N’est pas implicite comme Java et C#</a:t>
+            </a:r>
+          </a:p>
+          <a:p>
+            <a:pPr lvl="1"/>
             <a:r>
               <a:rPr lang="fr-FR" dirty="0"/>
-              <a:t>()</a:t>
-            </a:r>
-          </a:p>
-          <a:p>
-            <a:r>
-              <a:rPr lang="fr-FR" dirty="0"/>
-              <a:t>Si __</a:t>
-            </a:r>
-            <a:r>
-              <a:rPr lang="fr-FR" dirty="0" err="1"/>
-              <a:t>str</a:t>
-            </a:r>
-            <a:r>
-              <a:rPr lang="fr-FR" dirty="0"/>
-              <a:t>__ n’est pas défini, c’est __</a:t>
-            </a:r>
-            <a:r>
-              <a:rPr lang="fr-FR" dirty="0" err="1"/>
-              <a:t>repr</a:t>
-            </a:r>
-            <a:r>
-              <a:rPr lang="fr-FR" dirty="0"/>
-              <a:t>__ qui est exécuté</a:t>
-            </a:r>
-          </a:p>
-          <a:p>
-            <a:r>
-              <a:rPr lang="fr-FR" dirty="0"/>
-              <a:t>Egalement utilisé pour la conversion en string</a:t>
-            </a:r>
-          </a:p>
-          <a:p>
-            <a:pPr lvl="1"/>
-            <a:r>
-              <a:rPr lang="en-US" dirty="0"/>
-              <a:t>Idem </a:t>
-            </a:r>
-            <a:r>
-              <a:rPr lang="en-US" dirty="0" err="1"/>
-              <a:t>toString</a:t>
-            </a:r>
-            <a:r>
-              <a:rPr lang="en-US" dirty="0"/>
-              <a:t>() de Java et C#</a:t>
-            </a:r>
-          </a:p>
-          <a:p>
-            <a:pPr lvl="1"/>
+              <a:t>Quasi obligatoire</a:t>
+            </a:r>
+          </a:p>
+          <a:p>
+            <a:pPr marL="457200" lvl="1" indent="0">
+              <a:buNone/>
+            </a:pPr>
             <a:endParaRPr lang="fr-FR" dirty="0"/>
           </a:p>
         </p:txBody>
@@ -12104,8 +9951,8 @@
         </p:blipFill>
         <p:spPr>
           <a:xfrm>
-            <a:off x="2627784" y="4149080"/>
-            <a:ext cx="3855429" cy="1423789"/>
+            <a:off x="3821124" y="3204449"/>
+            <a:ext cx="5328592" cy="3319627"/>
           </a:xfrm>
           <a:prstGeom prst="rect">
             <a:avLst/>
@@ -12115,7 +9962,7 @@
     </p:spTree>
     <p:extLst>
       <p:ext uri="{BB962C8B-B14F-4D97-AF65-F5344CB8AC3E}">
-        <p14:creationId xmlns:p14="http://schemas.microsoft.com/office/powerpoint/2010/main" val="2813736843"/>
+        <p14:creationId xmlns:p14="http://schemas.microsoft.com/office/powerpoint/2010/main" val="3739370685"/>
       </p:ext>
     </p:extLst>
   </p:cSld>
@@ -12159,7 +10006,7 @@
           <a:p>
             <a:r>
               <a:rPr lang="fr-FR" dirty="0"/>
-              <a:t>Héritage de constructeur</a:t>
+              <a:t>Super</a:t>
             </a:r>
           </a:p>
         </p:txBody>
@@ -12181,59 +10028,41 @@
           <a:p>
             <a:r>
               <a:rPr lang="fr-FR" dirty="0"/>
-              <a:t>Pour pouvoir accéder aux données des super classes il faut appeler le constructeur de la classe de base</a:t>
+              <a:t>Super est un raccourcis pour rappeler la super classe</a:t>
             </a:r>
           </a:p>
           <a:p>
             <a:pPr lvl="1"/>
             <a:r>
               <a:rPr lang="fr-FR" dirty="0"/>
-              <a:t>N’est pas implicite comme Java et C#</a:t>
+              <a:t>Le self est alors implicite</a:t>
             </a:r>
           </a:p>
           <a:p>
             <a:pPr lvl="1"/>
             <a:r>
+              <a:rPr lang="fr-FR"/>
+              <a:t>super().__</a:t>
+            </a:r>
+            <a:r>
+              <a:rPr lang="fr-FR" dirty="0" err="1"/>
+              <a:t>init</a:t>
+            </a:r>
+            <a:r>
               <a:rPr lang="fr-FR" dirty="0"/>
-              <a:t>Quasi obligatoire</a:t>
-            </a:r>
-          </a:p>
-          <a:p>
-            <a:pPr marL="457200" lvl="1" indent="0">
-              <a:buNone/>
-            </a:pPr>
+              <a:t>__(nom)</a:t>
+            </a:r>
+          </a:p>
+          <a:p>
+            <a:pPr lvl="1"/>
             <a:endParaRPr lang="fr-FR" dirty="0"/>
           </a:p>
         </p:txBody>
       </p:sp>
-      <p:pic>
-        <p:nvPicPr>
-          <p:cNvPr id="4" name="Image 3"/>
-          <p:cNvPicPr>
-            <a:picLocks noChangeAspect="1"/>
-          </p:cNvPicPr>
-          <p:nvPr/>
-        </p:nvPicPr>
-        <p:blipFill>
-          <a:blip r:embed="rId2"/>
-          <a:stretch>
-            <a:fillRect/>
-          </a:stretch>
-        </p:blipFill>
-        <p:spPr>
-          <a:xfrm>
-            <a:off x="3821124" y="3204449"/>
-            <a:ext cx="5328592" cy="3319627"/>
-          </a:xfrm>
-          <a:prstGeom prst="rect">
-            <a:avLst/>
-          </a:prstGeom>
-        </p:spPr>
-      </p:pic>
     </p:spTree>
     <p:extLst>
       <p:ext uri="{BB962C8B-B14F-4D97-AF65-F5344CB8AC3E}">
-        <p14:creationId xmlns:p14="http://schemas.microsoft.com/office/powerpoint/2010/main" val="3739370685"/>
+        <p14:creationId xmlns:p14="http://schemas.microsoft.com/office/powerpoint/2010/main" val="1858686594"/>
       </p:ext>
     </p:extLst>
   </p:cSld>
@@ -12262,9 +10091,167 @@
       </p:grpSpPr>
       <p:sp>
         <p:nvSpPr>
-          <p:cNvPr id="2" name="Titre 1"/>
+          <p:cNvPr id="55298" name="Rectangle 17"/>
           <p:cNvSpPr>
-            <a:spLocks noGrp="1"/>
+            <a:spLocks noChangeArrowheads="1"/>
+          </p:cNvSpPr>
+          <p:nvPr/>
+        </p:nvSpPr>
+        <p:spPr bwMode="auto">
+          <a:xfrm>
+            <a:off x="860425" y="1112838"/>
+            <a:ext cx="7378700" cy="5029200"/>
+          </a:xfrm>
+          <a:prstGeom prst="rect">
+            <a:avLst/>
+          </a:prstGeom>
+          <a:gradFill rotWithShape="0">
+            <a:gsLst>
+              <a:gs pos="0">
+                <a:srgbClr val="FCFEB9"/>
+              </a:gs>
+              <a:gs pos="100000">
+                <a:srgbClr val="FFCC66"/>
+              </a:gs>
+            </a:gsLst>
+            <a:lin ang="5400000" scaled="1"/>
+          </a:gradFill>
+          <a:ln>
+            <a:noFill/>
+          </a:ln>
+          <a:effectLst/>
+          <a:extLst>
+            <a:ext uri="{91240B29-F687-4F45-9708-019B960494DF}">
+              <a14:hiddenLine xmlns:a14="http://schemas.microsoft.com/office/drawing/2010/main" w="9525">
+                <a:solidFill>
+                  <a:schemeClr val="tx1"/>
+                </a:solidFill>
+                <a:miter lim="800000"/>
+                <a:headEnd/>
+                <a:tailEnd/>
+              </a14:hiddenLine>
+            </a:ext>
+            <a:ext uri="{AF507438-7753-43E0-B8FC-AC1667EBCBE1}">
+              <a14:hiddenEffects xmlns:a14="http://schemas.microsoft.com/office/drawing/2010/main">
+                <a:effectLst>
+                  <a:outerShdw dist="35921" dir="2700000" algn="ctr" rotWithShape="0">
+                    <a:schemeClr val="bg2"/>
+                  </a:outerShdw>
+                </a:effectLst>
+              </a14:hiddenEffects>
+            </a:ext>
+          </a:extLst>
+        </p:spPr>
+        <p:txBody>
+          <a:bodyPr wrap="none" anchor="ctr"/>
+          <a:lstStyle>
+            <a:lvl1pPr>
+              <a:defRPr sz="3000">
+                <a:solidFill>
+                  <a:schemeClr val="tx1"/>
+                </a:solidFill>
+                <a:latin typeface="Arial Narrow" panose="020B0606020202030204" pitchFamily="34" charset="0"/>
+              </a:defRPr>
+            </a:lvl1pPr>
+            <a:lvl2pPr marL="742950" indent="-285750">
+              <a:defRPr sz="3000">
+                <a:solidFill>
+                  <a:schemeClr val="tx1"/>
+                </a:solidFill>
+                <a:latin typeface="Arial Narrow" panose="020B0606020202030204" pitchFamily="34" charset="0"/>
+              </a:defRPr>
+            </a:lvl2pPr>
+            <a:lvl3pPr marL="1143000" indent="-228600">
+              <a:defRPr sz="3000">
+                <a:solidFill>
+                  <a:schemeClr val="tx1"/>
+                </a:solidFill>
+                <a:latin typeface="Arial Narrow" panose="020B0606020202030204" pitchFamily="34" charset="0"/>
+              </a:defRPr>
+            </a:lvl3pPr>
+            <a:lvl4pPr marL="1600200" indent="-228600">
+              <a:defRPr sz="3000">
+                <a:solidFill>
+                  <a:schemeClr val="tx1"/>
+                </a:solidFill>
+                <a:latin typeface="Arial Narrow" panose="020B0606020202030204" pitchFamily="34" charset="0"/>
+              </a:defRPr>
+            </a:lvl4pPr>
+            <a:lvl5pPr marL="2057400" indent="-228600">
+              <a:defRPr sz="3000">
+                <a:solidFill>
+                  <a:schemeClr val="tx1"/>
+                </a:solidFill>
+                <a:latin typeface="Arial Narrow" panose="020B0606020202030204" pitchFamily="34" charset="0"/>
+              </a:defRPr>
+            </a:lvl5pPr>
+            <a:lvl6pPr marL="2514600" indent="-228600" eaLnBrk="0" fontAlgn="base" hangingPunct="0">
+              <a:spcBef>
+                <a:spcPct val="0"/>
+              </a:spcBef>
+              <a:spcAft>
+                <a:spcPct val="0"/>
+              </a:spcAft>
+              <a:defRPr sz="3000">
+                <a:solidFill>
+                  <a:schemeClr val="tx1"/>
+                </a:solidFill>
+                <a:latin typeface="Arial Narrow" panose="020B0606020202030204" pitchFamily="34" charset="0"/>
+              </a:defRPr>
+            </a:lvl6pPr>
+            <a:lvl7pPr marL="2971800" indent="-228600" eaLnBrk="0" fontAlgn="base" hangingPunct="0">
+              <a:spcBef>
+                <a:spcPct val="0"/>
+              </a:spcBef>
+              <a:spcAft>
+                <a:spcPct val="0"/>
+              </a:spcAft>
+              <a:defRPr sz="3000">
+                <a:solidFill>
+                  <a:schemeClr val="tx1"/>
+                </a:solidFill>
+                <a:latin typeface="Arial Narrow" panose="020B0606020202030204" pitchFamily="34" charset="0"/>
+              </a:defRPr>
+            </a:lvl7pPr>
+            <a:lvl8pPr marL="3429000" indent="-228600" eaLnBrk="0" fontAlgn="base" hangingPunct="0">
+              <a:spcBef>
+                <a:spcPct val="0"/>
+              </a:spcBef>
+              <a:spcAft>
+                <a:spcPct val="0"/>
+              </a:spcAft>
+              <a:defRPr sz="3000">
+                <a:solidFill>
+                  <a:schemeClr val="tx1"/>
+                </a:solidFill>
+                <a:latin typeface="Arial Narrow" panose="020B0606020202030204" pitchFamily="34" charset="0"/>
+              </a:defRPr>
+            </a:lvl8pPr>
+            <a:lvl9pPr marL="3886200" indent="-228600" eaLnBrk="0" fontAlgn="base" hangingPunct="0">
+              <a:spcBef>
+                <a:spcPct val="0"/>
+              </a:spcBef>
+              <a:spcAft>
+                <a:spcPct val="0"/>
+              </a:spcAft>
+              <a:defRPr sz="3000">
+                <a:solidFill>
+                  <a:schemeClr val="tx1"/>
+                </a:solidFill>
+                <a:latin typeface="Arial Narrow" panose="020B0606020202030204" pitchFamily="34" charset="0"/>
+              </a:defRPr>
+            </a:lvl9pPr>
+          </a:lstStyle>
+          <a:p>
+            <a:endParaRPr lang="fr-FR" altLang="fr-FR"/>
+          </a:p>
+        </p:txBody>
+      </p:sp>
+      <p:sp>
+        <p:nvSpPr>
+          <p:cNvPr id="55299" name="Rectangle 2"/>
+          <p:cNvSpPr>
+            <a:spLocks noGrp="1" noChangeArrowheads="1"/>
           </p:cNvSpPr>
           <p:nvPr>
             <p:ph type="title"/>
@@ -12276,20 +10263,25 @@
           <a:lstStyle/>
           <a:p>
             <a:r>
-              <a:rPr lang="fr-FR" dirty="0"/>
-              <a:t>Super</a:t>
-            </a:r>
+              <a:rPr lang="en-US" altLang="fr-FR">
+                <a:solidFill>
+                  <a:srgbClr val="000000"/>
+                </a:solidFill>
+              </a:rPr>
+              <a:t>Héritage simple et multiple</a:t>
+            </a:r>
+            <a:endParaRPr lang="en-GB" altLang="fr-FR"/>
           </a:p>
         </p:txBody>
       </p:sp>
       <p:sp>
         <p:nvSpPr>
-          <p:cNvPr id="3" name="Espace réservé du contenu 2"/>
+          <p:cNvPr id="55300" name="Rectangle 3"/>
           <p:cNvSpPr>
-            <a:spLocks noGrp="1"/>
+            <a:spLocks noGrp="1" noChangeArrowheads="1"/>
           </p:cNvSpPr>
           <p:nvPr>
-            <p:ph idx="1"/>
+            <p:ph type="body" idx="1"/>
           </p:nvPr>
         </p:nvSpPr>
         <p:spPr/>
@@ -12298,42 +10290,1880 @@
           <a:lstStyle/>
           <a:p>
             <a:r>
-              <a:rPr lang="fr-FR" dirty="0"/>
-              <a:t>Super est un raccourcis pour rappeler la super classe</a:t>
-            </a:r>
-          </a:p>
-          <a:p>
-            <a:pPr lvl="1"/>
-            <a:r>
-              <a:rPr lang="fr-FR" dirty="0"/>
-              <a:t>Le self est alors implicite</a:t>
-            </a:r>
-          </a:p>
-          <a:p>
-            <a:pPr lvl="1"/>
-            <a:r>
-              <a:rPr lang="fr-FR"/>
-              <a:t>super().__</a:t>
-            </a:r>
-            <a:r>
-              <a:rPr lang="fr-FR" dirty="0" err="1"/>
-              <a:t>init</a:t>
-            </a:r>
-            <a:r>
-              <a:rPr lang="fr-FR" dirty="0"/>
-              <a:t>__(nom)</a:t>
-            </a:r>
-          </a:p>
-          <a:p>
-            <a:pPr lvl="1"/>
-            <a:endParaRPr lang="fr-FR" dirty="0"/>
+              <a:rPr lang="en-US" altLang="fr-FR" dirty="0" err="1">
+                <a:solidFill>
+                  <a:srgbClr val="000000"/>
+                </a:solidFill>
+              </a:rPr>
+              <a:t>Héritage</a:t>
+            </a:r>
+            <a:r>
+              <a:rPr lang="en-US" altLang="fr-FR" dirty="0">
+                <a:solidFill>
+                  <a:srgbClr val="000000"/>
+                </a:solidFill>
+              </a:rPr>
+              <a:t> simple :</a:t>
+            </a:r>
+            <a:r>
+              <a:rPr lang="en-GB" altLang="fr-FR" dirty="0"/>
+              <a:t> </a:t>
+            </a:r>
+            <a:r>
+              <a:rPr lang="en-US" altLang="fr-FR" dirty="0" err="1">
+                <a:solidFill>
+                  <a:srgbClr val="000000"/>
+                </a:solidFill>
+              </a:rPr>
+              <a:t>dérivé</a:t>
+            </a:r>
+            <a:r>
+              <a:rPr lang="en-US" altLang="fr-FR" dirty="0">
+                <a:solidFill>
+                  <a:srgbClr val="000000"/>
+                </a:solidFill>
+              </a:rPr>
+              <a:t> </a:t>
+            </a:r>
+            <a:r>
+              <a:rPr lang="en-US" altLang="fr-FR" dirty="0" err="1">
+                <a:solidFill>
+                  <a:srgbClr val="000000"/>
+                </a:solidFill>
+              </a:rPr>
+              <a:t>d'une</a:t>
+            </a:r>
+            <a:r>
+              <a:rPr lang="en-US" altLang="fr-FR" dirty="0">
+                <a:solidFill>
+                  <a:srgbClr val="000000"/>
+                </a:solidFill>
+              </a:rPr>
+              <a:t> </a:t>
+            </a:r>
+            <a:r>
+              <a:rPr lang="en-US" altLang="fr-FR" dirty="0" err="1">
+                <a:solidFill>
+                  <a:srgbClr val="000000"/>
+                </a:solidFill>
+              </a:rPr>
+              <a:t>classe</a:t>
+            </a:r>
+            <a:r>
+              <a:rPr lang="en-US" altLang="fr-FR" dirty="0">
+                <a:solidFill>
+                  <a:srgbClr val="000000"/>
+                </a:solidFill>
+              </a:rPr>
+              <a:t> de base</a:t>
+            </a:r>
+            <a:endParaRPr lang="en-GB" altLang="fr-FR" dirty="0"/>
+          </a:p>
+          <a:p>
+            <a:r>
+              <a:rPr lang="en-US" altLang="fr-FR" dirty="0" err="1">
+                <a:solidFill>
+                  <a:srgbClr val="000000"/>
+                </a:solidFill>
+              </a:rPr>
+              <a:t>Héritage</a:t>
+            </a:r>
+            <a:r>
+              <a:rPr lang="en-US" altLang="fr-FR" dirty="0">
+                <a:solidFill>
+                  <a:srgbClr val="000000"/>
+                </a:solidFill>
+              </a:rPr>
+              <a:t> multiple :</a:t>
+            </a:r>
+            <a:r>
+              <a:rPr lang="en-GB" altLang="fr-FR" dirty="0"/>
+              <a:t> </a:t>
+            </a:r>
+            <a:r>
+              <a:rPr lang="en-US" altLang="fr-FR" dirty="0" err="1">
+                <a:solidFill>
+                  <a:srgbClr val="000000"/>
+                </a:solidFill>
+              </a:rPr>
+              <a:t>dérivé</a:t>
+            </a:r>
+            <a:r>
+              <a:rPr lang="en-US" altLang="fr-FR" dirty="0">
+                <a:solidFill>
+                  <a:srgbClr val="000000"/>
+                </a:solidFill>
+              </a:rPr>
+              <a:t> de </a:t>
+            </a:r>
+            <a:r>
+              <a:rPr lang="en-US" altLang="fr-FR" dirty="0" err="1">
+                <a:solidFill>
+                  <a:srgbClr val="000000"/>
+                </a:solidFill>
+              </a:rPr>
+              <a:t>plusieurs</a:t>
+            </a:r>
+            <a:r>
+              <a:rPr lang="en-US" altLang="fr-FR" dirty="0">
+                <a:solidFill>
+                  <a:srgbClr val="000000"/>
+                </a:solidFill>
+              </a:rPr>
+              <a:t> classes de base</a:t>
+            </a:r>
+            <a:endParaRPr lang="en-GB" altLang="fr-FR" dirty="0">
+              <a:solidFill>
+                <a:srgbClr val="000000"/>
+              </a:solidFill>
+            </a:endParaRPr>
+          </a:p>
+        </p:txBody>
+      </p:sp>
+      <p:sp>
+        <p:nvSpPr>
+          <p:cNvPr id="55301" name="Rectangle 4"/>
+          <p:cNvSpPr>
+            <a:spLocks noChangeArrowheads="1"/>
+          </p:cNvSpPr>
+          <p:nvPr/>
+        </p:nvSpPr>
+        <p:spPr bwMode="auto">
+          <a:xfrm>
+            <a:off x="1828800" y="3276600"/>
+            <a:ext cx="1752600" cy="685800"/>
+          </a:xfrm>
+          <a:prstGeom prst="rect">
+            <a:avLst/>
+          </a:prstGeom>
+          <a:solidFill>
+            <a:schemeClr val="accent1"/>
+          </a:solidFill>
+          <a:ln w="9525" algn="ctr">
+            <a:solidFill>
+              <a:srgbClr val="0033CC"/>
+            </a:solidFill>
+            <a:miter lim="800000"/>
+            <a:headEnd/>
+            <a:tailEnd/>
+          </a:ln>
+          <a:effectLst>
+            <a:outerShdw dist="53882" dir="2700000" algn="ctr" rotWithShape="0">
+              <a:srgbClr val="C0C0C0"/>
+            </a:outerShdw>
+          </a:effectLst>
+        </p:spPr>
+        <p:txBody>
+          <a:bodyPr wrap="none" tIns="27432" bIns="27432" anchor="ctr"/>
+          <a:lstStyle>
+            <a:lvl1pPr>
+              <a:defRPr sz="3000">
+                <a:solidFill>
+                  <a:schemeClr val="tx1"/>
+                </a:solidFill>
+                <a:latin typeface="Arial Narrow" panose="020B0606020202030204" pitchFamily="34" charset="0"/>
+              </a:defRPr>
+            </a:lvl1pPr>
+            <a:lvl2pPr marL="742950" indent="-285750">
+              <a:defRPr sz="3000">
+                <a:solidFill>
+                  <a:schemeClr val="tx1"/>
+                </a:solidFill>
+                <a:latin typeface="Arial Narrow" panose="020B0606020202030204" pitchFamily="34" charset="0"/>
+              </a:defRPr>
+            </a:lvl2pPr>
+            <a:lvl3pPr marL="1143000" indent="-228600">
+              <a:defRPr sz="3000">
+                <a:solidFill>
+                  <a:schemeClr val="tx1"/>
+                </a:solidFill>
+                <a:latin typeface="Arial Narrow" panose="020B0606020202030204" pitchFamily="34" charset="0"/>
+              </a:defRPr>
+            </a:lvl3pPr>
+            <a:lvl4pPr marL="1600200" indent="-228600">
+              <a:defRPr sz="3000">
+                <a:solidFill>
+                  <a:schemeClr val="tx1"/>
+                </a:solidFill>
+                <a:latin typeface="Arial Narrow" panose="020B0606020202030204" pitchFamily="34" charset="0"/>
+              </a:defRPr>
+            </a:lvl4pPr>
+            <a:lvl5pPr marL="2057400" indent="-228600">
+              <a:defRPr sz="3000">
+                <a:solidFill>
+                  <a:schemeClr val="tx1"/>
+                </a:solidFill>
+                <a:latin typeface="Arial Narrow" panose="020B0606020202030204" pitchFamily="34" charset="0"/>
+              </a:defRPr>
+            </a:lvl5pPr>
+            <a:lvl6pPr marL="2514600" indent="-228600" eaLnBrk="0" fontAlgn="base" hangingPunct="0">
+              <a:spcBef>
+                <a:spcPct val="0"/>
+              </a:spcBef>
+              <a:spcAft>
+                <a:spcPct val="0"/>
+              </a:spcAft>
+              <a:defRPr sz="3000">
+                <a:solidFill>
+                  <a:schemeClr val="tx1"/>
+                </a:solidFill>
+                <a:latin typeface="Arial Narrow" panose="020B0606020202030204" pitchFamily="34" charset="0"/>
+              </a:defRPr>
+            </a:lvl6pPr>
+            <a:lvl7pPr marL="2971800" indent="-228600" eaLnBrk="0" fontAlgn="base" hangingPunct="0">
+              <a:spcBef>
+                <a:spcPct val="0"/>
+              </a:spcBef>
+              <a:spcAft>
+                <a:spcPct val="0"/>
+              </a:spcAft>
+              <a:defRPr sz="3000">
+                <a:solidFill>
+                  <a:schemeClr val="tx1"/>
+                </a:solidFill>
+                <a:latin typeface="Arial Narrow" panose="020B0606020202030204" pitchFamily="34" charset="0"/>
+              </a:defRPr>
+            </a:lvl7pPr>
+            <a:lvl8pPr marL="3429000" indent="-228600" eaLnBrk="0" fontAlgn="base" hangingPunct="0">
+              <a:spcBef>
+                <a:spcPct val="0"/>
+              </a:spcBef>
+              <a:spcAft>
+                <a:spcPct val="0"/>
+              </a:spcAft>
+              <a:defRPr sz="3000">
+                <a:solidFill>
+                  <a:schemeClr val="tx1"/>
+                </a:solidFill>
+                <a:latin typeface="Arial Narrow" panose="020B0606020202030204" pitchFamily="34" charset="0"/>
+              </a:defRPr>
+            </a:lvl8pPr>
+            <a:lvl9pPr marL="3886200" indent="-228600" eaLnBrk="0" fontAlgn="base" hangingPunct="0">
+              <a:spcBef>
+                <a:spcPct val="0"/>
+              </a:spcBef>
+              <a:spcAft>
+                <a:spcPct val="0"/>
+              </a:spcAft>
+              <a:defRPr sz="3000">
+                <a:solidFill>
+                  <a:schemeClr val="tx1"/>
+                </a:solidFill>
+                <a:latin typeface="Arial Narrow" panose="020B0606020202030204" pitchFamily="34" charset="0"/>
+              </a:defRPr>
+            </a:lvl9pPr>
+          </a:lstStyle>
+          <a:p>
+            <a:pPr algn="ctr"/>
+            <a:r>
+              <a:rPr lang="en-US" altLang="fr-FR" sz="1600">
+                <a:solidFill>
+                  <a:srgbClr val="000000"/>
+                </a:solidFill>
+              </a:rPr>
+              <a:t>Instrument</a:t>
+            </a:r>
+          </a:p>
+          <a:p>
+            <a:pPr algn="ctr"/>
+            <a:r>
+              <a:rPr lang="en-US" altLang="fr-FR" sz="1600">
+                <a:solidFill>
+                  <a:srgbClr val="000000"/>
+                </a:solidFill>
+              </a:rPr>
+              <a:t>à cordes</a:t>
+            </a:r>
+          </a:p>
+        </p:txBody>
+      </p:sp>
+      <p:sp>
+        <p:nvSpPr>
+          <p:cNvPr id="55302" name="Rectangle 5"/>
+          <p:cNvSpPr>
+            <a:spLocks noChangeArrowheads="1"/>
+          </p:cNvSpPr>
+          <p:nvPr/>
+        </p:nvSpPr>
+        <p:spPr bwMode="auto">
+          <a:xfrm>
+            <a:off x="1828800" y="4800600"/>
+            <a:ext cx="1752600" cy="685800"/>
+          </a:xfrm>
+          <a:prstGeom prst="rect">
+            <a:avLst/>
+          </a:prstGeom>
+          <a:solidFill>
+            <a:schemeClr val="accent1"/>
+          </a:solidFill>
+          <a:ln w="9525" algn="ctr">
+            <a:solidFill>
+              <a:srgbClr val="0033CC"/>
+            </a:solidFill>
+            <a:miter lim="800000"/>
+            <a:headEnd/>
+            <a:tailEnd/>
+          </a:ln>
+          <a:effectLst>
+            <a:outerShdw dist="53882" dir="2700000" algn="ctr" rotWithShape="0">
+              <a:srgbClr val="C0C0C0"/>
+            </a:outerShdw>
+          </a:effectLst>
+        </p:spPr>
+        <p:txBody>
+          <a:bodyPr wrap="none" tIns="27432" bIns="27432" anchor="ctr"/>
+          <a:lstStyle>
+            <a:lvl1pPr>
+              <a:defRPr sz="3000">
+                <a:solidFill>
+                  <a:schemeClr val="tx1"/>
+                </a:solidFill>
+                <a:latin typeface="Arial Narrow" panose="020B0606020202030204" pitchFamily="34" charset="0"/>
+              </a:defRPr>
+            </a:lvl1pPr>
+            <a:lvl2pPr marL="742950" indent="-285750">
+              <a:defRPr sz="3000">
+                <a:solidFill>
+                  <a:schemeClr val="tx1"/>
+                </a:solidFill>
+                <a:latin typeface="Arial Narrow" panose="020B0606020202030204" pitchFamily="34" charset="0"/>
+              </a:defRPr>
+            </a:lvl2pPr>
+            <a:lvl3pPr marL="1143000" indent="-228600">
+              <a:defRPr sz="3000">
+                <a:solidFill>
+                  <a:schemeClr val="tx1"/>
+                </a:solidFill>
+                <a:latin typeface="Arial Narrow" panose="020B0606020202030204" pitchFamily="34" charset="0"/>
+              </a:defRPr>
+            </a:lvl3pPr>
+            <a:lvl4pPr marL="1600200" indent="-228600">
+              <a:defRPr sz="3000">
+                <a:solidFill>
+                  <a:schemeClr val="tx1"/>
+                </a:solidFill>
+                <a:latin typeface="Arial Narrow" panose="020B0606020202030204" pitchFamily="34" charset="0"/>
+              </a:defRPr>
+            </a:lvl4pPr>
+            <a:lvl5pPr marL="2057400" indent="-228600">
+              <a:defRPr sz="3000">
+                <a:solidFill>
+                  <a:schemeClr val="tx1"/>
+                </a:solidFill>
+                <a:latin typeface="Arial Narrow" panose="020B0606020202030204" pitchFamily="34" charset="0"/>
+              </a:defRPr>
+            </a:lvl5pPr>
+            <a:lvl6pPr marL="2514600" indent="-228600" eaLnBrk="0" fontAlgn="base" hangingPunct="0">
+              <a:spcBef>
+                <a:spcPct val="0"/>
+              </a:spcBef>
+              <a:spcAft>
+                <a:spcPct val="0"/>
+              </a:spcAft>
+              <a:defRPr sz="3000">
+                <a:solidFill>
+                  <a:schemeClr val="tx1"/>
+                </a:solidFill>
+                <a:latin typeface="Arial Narrow" panose="020B0606020202030204" pitchFamily="34" charset="0"/>
+              </a:defRPr>
+            </a:lvl6pPr>
+            <a:lvl7pPr marL="2971800" indent="-228600" eaLnBrk="0" fontAlgn="base" hangingPunct="0">
+              <a:spcBef>
+                <a:spcPct val="0"/>
+              </a:spcBef>
+              <a:spcAft>
+                <a:spcPct val="0"/>
+              </a:spcAft>
+              <a:defRPr sz="3000">
+                <a:solidFill>
+                  <a:schemeClr val="tx1"/>
+                </a:solidFill>
+                <a:latin typeface="Arial Narrow" panose="020B0606020202030204" pitchFamily="34" charset="0"/>
+              </a:defRPr>
+            </a:lvl7pPr>
+            <a:lvl8pPr marL="3429000" indent="-228600" eaLnBrk="0" fontAlgn="base" hangingPunct="0">
+              <a:spcBef>
+                <a:spcPct val="0"/>
+              </a:spcBef>
+              <a:spcAft>
+                <a:spcPct val="0"/>
+              </a:spcAft>
+              <a:defRPr sz="3000">
+                <a:solidFill>
+                  <a:schemeClr val="tx1"/>
+                </a:solidFill>
+                <a:latin typeface="Arial Narrow" panose="020B0606020202030204" pitchFamily="34" charset="0"/>
+              </a:defRPr>
+            </a:lvl8pPr>
+            <a:lvl9pPr marL="3886200" indent="-228600" eaLnBrk="0" fontAlgn="base" hangingPunct="0">
+              <a:spcBef>
+                <a:spcPct val="0"/>
+              </a:spcBef>
+              <a:spcAft>
+                <a:spcPct val="0"/>
+              </a:spcAft>
+              <a:defRPr sz="3000">
+                <a:solidFill>
+                  <a:schemeClr val="tx1"/>
+                </a:solidFill>
+                <a:latin typeface="Arial Narrow" panose="020B0606020202030204" pitchFamily="34" charset="0"/>
+              </a:defRPr>
+            </a:lvl9pPr>
+          </a:lstStyle>
+          <a:p>
+            <a:pPr algn="ctr"/>
+            <a:r>
+              <a:rPr lang="en-US" altLang="fr-FR" sz="1600">
+                <a:solidFill>
+                  <a:srgbClr val="000000"/>
+                </a:solidFill>
+              </a:rPr>
+              <a:t>Violon</a:t>
+            </a:r>
+            <a:endParaRPr lang="en-GB" altLang="fr-FR" sz="1600"/>
+          </a:p>
+        </p:txBody>
+      </p:sp>
+      <p:sp>
+        <p:nvSpPr>
+          <p:cNvPr id="55303" name="AutoShape 6"/>
+          <p:cNvSpPr>
+            <a:spLocks noChangeArrowheads="1"/>
+          </p:cNvSpPr>
+          <p:nvPr/>
+        </p:nvSpPr>
+        <p:spPr bwMode="auto">
+          <a:xfrm>
+            <a:off x="2590800" y="3962400"/>
+            <a:ext cx="304800" cy="304800"/>
+          </a:xfrm>
+          <a:prstGeom prst="triangle">
+            <a:avLst>
+              <a:gd name="adj" fmla="val 50000"/>
+            </a:avLst>
+          </a:prstGeom>
+          <a:solidFill>
+            <a:schemeClr val="bg1"/>
+          </a:solidFill>
+          <a:ln w="9525">
+            <a:solidFill>
+              <a:schemeClr val="tx1"/>
+            </a:solidFill>
+            <a:miter lim="800000"/>
+            <a:headEnd/>
+            <a:tailEnd/>
+          </a:ln>
+          <a:effectLst/>
+          <a:extLst>
+            <a:ext uri="{AF507438-7753-43E0-B8FC-AC1667EBCBE1}">
+              <a14:hiddenEffects xmlns:a14="http://schemas.microsoft.com/office/drawing/2010/main">
+                <a:effectLst>
+                  <a:outerShdw dist="35921" dir="2700000" algn="ctr" rotWithShape="0">
+                    <a:schemeClr val="bg2"/>
+                  </a:outerShdw>
+                </a:effectLst>
+              </a14:hiddenEffects>
+            </a:ext>
+          </a:extLst>
+        </p:spPr>
+        <p:txBody>
+          <a:bodyPr wrap="none" anchor="ctr"/>
+          <a:lstStyle>
+            <a:lvl1pPr>
+              <a:defRPr sz="3000">
+                <a:solidFill>
+                  <a:schemeClr val="tx1"/>
+                </a:solidFill>
+                <a:latin typeface="Arial Narrow" panose="020B0606020202030204" pitchFamily="34" charset="0"/>
+              </a:defRPr>
+            </a:lvl1pPr>
+            <a:lvl2pPr marL="742950" indent="-285750">
+              <a:defRPr sz="3000">
+                <a:solidFill>
+                  <a:schemeClr val="tx1"/>
+                </a:solidFill>
+                <a:latin typeface="Arial Narrow" panose="020B0606020202030204" pitchFamily="34" charset="0"/>
+              </a:defRPr>
+            </a:lvl2pPr>
+            <a:lvl3pPr marL="1143000" indent="-228600">
+              <a:defRPr sz="3000">
+                <a:solidFill>
+                  <a:schemeClr val="tx1"/>
+                </a:solidFill>
+                <a:latin typeface="Arial Narrow" panose="020B0606020202030204" pitchFamily="34" charset="0"/>
+              </a:defRPr>
+            </a:lvl3pPr>
+            <a:lvl4pPr marL="1600200" indent="-228600">
+              <a:defRPr sz="3000">
+                <a:solidFill>
+                  <a:schemeClr val="tx1"/>
+                </a:solidFill>
+                <a:latin typeface="Arial Narrow" panose="020B0606020202030204" pitchFamily="34" charset="0"/>
+              </a:defRPr>
+            </a:lvl4pPr>
+            <a:lvl5pPr marL="2057400" indent="-228600">
+              <a:defRPr sz="3000">
+                <a:solidFill>
+                  <a:schemeClr val="tx1"/>
+                </a:solidFill>
+                <a:latin typeface="Arial Narrow" panose="020B0606020202030204" pitchFamily="34" charset="0"/>
+              </a:defRPr>
+            </a:lvl5pPr>
+            <a:lvl6pPr marL="2514600" indent="-228600" eaLnBrk="0" fontAlgn="base" hangingPunct="0">
+              <a:spcBef>
+                <a:spcPct val="0"/>
+              </a:spcBef>
+              <a:spcAft>
+                <a:spcPct val="0"/>
+              </a:spcAft>
+              <a:defRPr sz="3000">
+                <a:solidFill>
+                  <a:schemeClr val="tx1"/>
+                </a:solidFill>
+                <a:latin typeface="Arial Narrow" panose="020B0606020202030204" pitchFamily="34" charset="0"/>
+              </a:defRPr>
+            </a:lvl6pPr>
+            <a:lvl7pPr marL="2971800" indent="-228600" eaLnBrk="0" fontAlgn="base" hangingPunct="0">
+              <a:spcBef>
+                <a:spcPct val="0"/>
+              </a:spcBef>
+              <a:spcAft>
+                <a:spcPct val="0"/>
+              </a:spcAft>
+              <a:defRPr sz="3000">
+                <a:solidFill>
+                  <a:schemeClr val="tx1"/>
+                </a:solidFill>
+                <a:latin typeface="Arial Narrow" panose="020B0606020202030204" pitchFamily="34" charset="0"/>
+              </a:defRPr>
+            </a:lvl7pPr>
+            <a:lvl8pPr marL="3429000" indent="-228600" eaLnBrk="0" fontAlgn="base" hangingPunct="0">
+              <a:spcBef>
+                <a:spcPct val="0"/>
+              </a:spcBef>
+              <a:spcAft>
+                <a:spcPct val="0"/>
+              </a:spcAft>
+              <a:defRPr sz="3000">
+                <a:solidFill>
+                  <a:schemeClr val="tx1"/>
+                </a:solidFill>
+                <a:latin typeface="Arial Narrow" panose="020B0606020202030204" pitchFamily="34" charset="0"/>
+              </a:defRPr>
+            </a:lvl8pPr>
+            <a:lvl9pPr marL="3886200" indent="-228600" eaLnBrk="0" fontAlgn="base" hangingPunct="0">
+              <a:spcBef>
+                <a:spcPct val="0"/>
+              </a:spcBef>
+              <a:spcAft>
+                <a:spcPct val="0"/>
+              </a:spcAft>
+              <a:defRPr sz="3000">
+                <a:solidFill>
+                  <a:schemeClr val="tx1"/>
+                </a:solidFill>
+                <a:latin typeface="Arial Narrow" panose="020B0606020202030204" pitchFamily="34" charset="0"/>
+              </a:defRPr>
+            </a:lvl9pPr>
+          </a:lstStyle>
+          <a:p>
+            <a:endParaRPr lang="fr-FR" altLang="fr-FR"/>
+          </a:p>
+        </p:txBody>
+      </p:sp>
+      <p:sp>
+        <p:nvSpPr>
+          <p:cNvPr id="55304" name="Line 7"/>
+          <p:cNvSpPr>
+            <a:spLocks noChangeShapeType="1"/>
+          </p:cNvSpPr>
+          <p:nvPr/>
+        </p:nvSpPr>
+        <p:spPr bwMode="auto">
+          <a:xfrm>
+            <a:off x="2743200" y="4267200"/>
+            <a:ext cx="0" cy="533400"/>
+          </a:xfrm>
+          <a:prstGeom prst="line">
+            <a:avLst/>
+          </a:prstGeom>
+          <a:noFill/>
+          <a:ln w="9525">
+            <a:solidFill>
+              <a:schemeClr val="tx1"/>
+            </a:solidFill>
+            <a:round/>
+            <a:headEnd/>
+            <a:tailEnd/>
+          </a:ln>
+          <a:effectLst/>
+          <a:extLst>
+            <a:ext uri="{909E8E84-426E-40DD-AFC4-6F175D3DCCD1}">
+              <a14:hiddenFill xmlns:a14="http://schemas.microsoft.com/office/drawing/2010/main">
+                <a:noFill/>
+              </a14:hiddenFill>
+            </a:ext>
+            <a:ext uri="{AF507438-7753-43E0-B8FC-AC1667EBCBE1}">
+              <a14:hiddenEffects xmlns:a14="http://schemas.microsoft.com/office/drawing/2010/main">
+                <a:effectLst>
+                  <a:outerShdw dist="35921" dir="2700000" algn="ctr" rotWithShape="0">
+                    <a:schemeClr val="bg2"/>
+                  </a:outerShdw>
+                </a:effectLst>
+              </a14:hiddenEffects>
+            </a:ext>
+          </a:extLst>
+        </p:spPr>
+        <p:txBody>
+          <a:bodyPr/>
+          <a:lstStyle/>
+          <a:p>
+            <a:endParaRPr lang="fr-FR"/>
+          </a:p>
+        </p:txBody>
+      </p:sp>
+      <p:sp>
+        <p:nvSpPr>
+          <p:cNvPr id="55305" name="Rectangle 8"/>
+          <p:cNvSpPr>
+            <a:spLocks noChangeArrowheads="1"/>
+          </p:cNvSpPr>
+          <p:nvPr/>
+        </p:nvSpPr>
+        <p:spPr bwMode="auto">
+          <a:xfrm>
+            <a:off x="4572000" y="3276600"/>
+            <a:ext cx="1447800" cy="685800"/>
+          </a:xfrm>
+          <a:prstGeom prst="rect">
+            <a:avLst/>
+          </a:prstGeom>
+          <a:solidFill>
+            <a:schemeClr val="accent1"/>
+          </a:solidFill>
+          <a:ln w="9525" algn="ctr">
+            <a:solidFill>
+              <a:srgbClr val="0033CC"/>
+            </a:solidFill>
+            <a:miter lim="800000"/>
+            <a:headEnd/>
+            <a:tailEnd/>
+          </a:ln>
+          <a:effectLst>
+            <a:outerShdw dist="53882" dir="2700000" algn="ctr" rotWithShape="0">
+              <a:srgbClr val="C0C0C0"/>
+            </a:outerShdw>
+          </a:effectLst>
+        </p:spPr>
+        <p:txBody>
+          <a:bodyPr wrap="none" tIns="27432" bIns="27432" anchor="ctr"/>
+          <a:lstStyle>
+            <a:lvl1pPr>
+              <a:defRPr sz="3000">
+                <a:solidFill>
+                  <a:schemeClr val="tx1"/>
+                </a:solidFill>
+                <a:latin typeface="Arial Narrow" panose="020B0606020202030204" pitchFamily="34" charset="0"/>
+              </a:defRPr>
+            </a:lvl1pPr>
+            <a:lvl2pPr marL="742950" indent="-285750">
+              <a:defRPr sz="3000">
+                <a:solidFill>
+                  <a:schemeClr val="tx1"/>
+                </a:solidFill>
+                <a:latin typeface="Arial Narrow" panose="020B0606020202030204" pitchFamily="34" charset="0"/>
+              </a:defRPr>
+            </a:lvl2pPr>
+            <a:lvl3pPr marL="1143000" indent="-228600">
+              <a:defRPr sz="3000">
+                <a:solidFill>
+                  <a:schemeClr val="tx1"/>
+                </a:solidFill>
+                <a:latin typeface="Arial Narrow" panose="020B0606020202030204" pitchFamily="34" charset="0"/>
+              </a:defRPr>
+            </a:lvl3pPr>
+            <a:lvl4pPr marL="1600200" indent="-228600">
+              <a:defRPr sz="3000">
+                <a:solidFill>
+                  <a:schemeClr val="tx1"/>
+                </a:solidFill>
+                <a:latin typeface="Arial Narrow" panose="020B0606020202030204" pitchFamily="34" charset="0"/>
+              </a:defRPr>
+            </a:lvl4pPr>
+            <a:lvl5pPr marL="2057400" indent="-228600">
+              <a:defRPr sz="3000">
+                <a:solidFill>
+                  <a:schemeClr val="tx1"/>
+                </a:solidFill>
+                <a:latin typeface="Arial Narrow" panose="020B0606020202030204" pitchFamily="34" charset="0"/>
+              </a:defRPr>
+            </a:lvl5pPr>
+            <a:lvl6pPr marL="2514600" indent="-228600" eaLnBrk="0" fontAlgn="base" hangingPunct="0">
+              <a:spcBef>
+                <a:spcPct val="0"/>
+              </a:spcBef>
+              <a:spcAft>
+                <a:spcPct val="0"/>
+              </a:spcAft>
+              <a:defRPr sz="3000">
+                <a:solidFill>
+                  <a:schemeClr val="tx1"/>
+                </a:solidFill>
+                <a:latin typeface="Arial Narrow" panose="020B0606020202030204" pitchFamily="34" charset="0"/>
+              </a:defRPr>
+            </a:lvl6pPr>
+            <a:lvl7pPr marL="2971800" indent="-228600" eaLnBrk="0" fontAlgn="base" hangingPunct="0">
+              <a:spcBef>
+                <a:spcPct val="0"/>
+              </a:spcBef>
+              <a:spcAft>
+                <a:spcPct val="0"/>
+              </a:spcAft>
+              <a:defRPr sz="3000">
+                <a:solidFill>
+                  <a:schemeClr val="tx1"/>
+                </a:solidFill>
+                <a:latin typeface="Arial Narrow" panose="020B0606020202030204" pitchFamily="34" charset="0"/>
+              </a:defRPr>
+            </a:lvl7pPr>
+            <a:lvl8pPr marL="3429000" indent="-228600" eaLnBrk="0" fontAlgn="base" hangingPunct="0">
+              <a:spcBef>
+                <a:spcPct val="0"/>
+              </a:spcBef>
+              <a:spcAft>
+                <a:spcPct val="0"/>
+              </a:spcAft>
+              <a:defRPr sz="3000">
+                <a:solidFill>
+                  <a:schemeClr val="tx1"/>
+                </a:solidFill>
+                <a:latin typeface="Arial Narrow" panose="020B0606020202030204" pitchFamily="34" charset="0"/>
+              </a:defRPr>
+            </a:lvl8pPr>
+            <a:lvl9pPr marL="3886200" indent="-228600" eaLnBrk="0" fontAlgn="base" hangingPunct="0">
+              <a:spcBef>
+                <a:spcPct val="0"/>
+              </a:spcBef>
+              <a:spcAft>
+                <a:spcPct val="0"/>
+              </a:spcAft>
+              <a:defRPr sz="3000">
+                <a:solidFill>
+                  <a:schemeClr val="tx1"/>
+                </a:solidFill>
+                <a:latin typeface="Arial Narrow" panose="020B0606020202030204" pitchFamily="34" charset="0"/>
+              </a:defRPr>
+            </a:lvl9pPr>
+          </a:lstStyle>
+          <a:p>
+            <a:pPr algn="ctr"/>
+            <a:r>
+              <a:rPr lang="en-US" altLang="fr-FR" sz="1600">
+                <a:solidFill>
+                  <a:srgbClr val="000000"/>
+                </a:solidFill>
+              </a:rPr>
+              <a:t>Instrument </a:t>
+            </a:r>
+            <a:br>
+              <a:rPr lang="en-US" altLang="fr-FR" sz="1600">
+                <a:solidFill>
+                  <a:srgbClr val="000000"/>
+                </a:solidFill>
+              </a:rPr>
+            </a:br>
+            <a:r>
+              <a:rPr lang="en-US" altLang="fr-FR" sz="1600">
+                <a:solidFill>
+                  <a:srgbClr val="000000"/>
+                </a:solidFill>
+              </a:rPr>
+              <a:t>de</a:t>
+            </a:r>
+            <a:r>
+              <a:rPr lang="en-GB" altLang="fr-FR" sz="1600"/>
+              <a:t> </a:t>
+            </a:r>
+            <a:r>
+              <a:rPr lang="en-US" altLang="fr-FR" sz="1600">
+                <a:solidFill>
+                  <a:srgbClr val="000000"/>
+                </a:solidFill>
+              </a:rPr>
+              <a:t>musique</a:t>
+            </a:r>
+            <a:endParaRPr lang="en-GB" altLang="fr-FR" sz="1600">
+              <a:solidFill>
+                <a:srgbClr val="000000"/>
+              </a:solidFill>
+            </a:endParaRPr>
+          </a:p>
+        </p:txBody>
+      </p:sp>
+      <p:sp>
+        <p:nvSpPr>
+          <p:cNvPr id="55306" name="Rectangle 9"/>
+          <p:cNvSpPr>
+            <a:spLocks noChangeArrowheads="1"/>
+          </p:cNvSpPr>
+          <p:nvPr/>
+        </p:nvSpPr>
+        <p:spPr bwMode="auto">
+          <a:xfrm>
+            <a:off x="5334000" y="4800600"/>
+            <a:ext cx="1752600" cy="685800"/>
+          </a:xfrm>
+          <a:prstGeom prst="rect">
+            <a:avLst/>
+          </a:prstGeom>
+          <a:solidFill>
+            <a:schemeClr val="accent1"/>
+          </a:solidFill>
+          <a:ln w="9525" algn="ctr">
+            <a:solidFill>
+              <a:srgbClr val="0033CC"/>
+            </a:solidFill>
+            <a:miter lim="800000"/>
+            <a:headEnd/>
+            <a:tailEnd/>
+          </a:ln>
+          <a:effectLst>
+            <a:outerShdw dist="53882" dir="2700000" algn="ctr" rotWithShape="0">
+              <a:srgbClr val="C0C0C0"/>
+            </a:outerShdw>
+          </a:effectLst>
+        </p:spPr>
+        <p:txBody>
+          <a:bodyPr wrap="none" tIns="27432" bIns="27432" anchor="ctr"/>
+          <a:lstStyle>
+            <a:lvl1pPr>
+              <a:defRPr sz="3000">
+                <a:solidFill>
+                  <a:schemeClr val="tx1"/>
+                </a:solidFill>
+                <a:latin typeface="Arial Narrow" panose="020B0606020202030204" pitchFamily="34" charset="0"/>
+              </a:defRPr>
+            </a:lvl1pPr>
+            <a:lvl2pPr marL="742950" indent="-285750">
+              <a:defRPr sz="3000">
+                <a:solidFill>
+                  <a:schemeClr val="tx1"/>
+                </a:solidFill>
+                <a:latin typeface="Arial Narrow" panose="020B0606020202030204" pitchFamily="34" charset="0"/>
+              </a:defRPr>
+            </a:lvl2pPr>
+            <a:lvl3pPr marL="1143000" indent="-228600">
+              <a:defRPr sz="3000">
+                <a:solidFill>
+                  <a:schemeClr val="tx1"/>
+                </a:solidFill>
+                <a:latin typeface="Arial Narrow" panose="020B0606020202030204" pitchFamily="34" charset="0"/>
+              </a:defRPr>
+            </a:lvl3pPr>
+            <a:lvl4pPr marL="1600200" indent="-228600">
+              <a:defRPr sz="3000">
+                <a:solidFill>
+                  <a:schemeClr val="tx1"/>
+                </a:solidFill>
+                <a:latin typeface="Arial Narrow" panose="020B0606020202030204" pitchFamily="34" charset="0"/>
+              </a:defRPr>
+            </a:lvl4pPr>
+            <a:lvl5pPr marL="2057400" indent="-228600">
+              <a:defRPr sz="3000">
+                <a:solidFill>
+                  <a:schemeClr val="tx1"/>
+                </a:solidFill>
+                <a:latin typeface="Arial Narrow" panose="020B0606020202030204" pitchFamily="34" charset="0"/>
+              </a:defRPr>
+            </a:lvl5pPr>
+            <a:lvl6pPr marL="2514600" indent="-228600" eaLnBrk="0" fontAlgn="base" hangingPunct="0">
+              <a:spcBef>
+                <a:spcPct val="0"/>
+              </a:spcBef>
+              <a:spcAft>
+                <a:spcPct val="0"/>
+              </a:spcAft>
+              <a:defRPr sz="3000">
+                <a:solidFill>
+                  <a:schemeClr val="tx1"/>
+                </a:solidFill>
+                <a:latin typeface="Arial Narrow" panose="020B0606020202030204" pitchFamily="34" charset="0"/>
+              </a:defRPr>
+            </a:lvl6pPr>
+            <a:lvl7pPr marL="2971800" indent="-228600" eaLnBrk="0" fontAlgn="base" hangingPunct="0">
+              <a:spcBef>
+                <a:spcPct val="0"/>
+              </a:spcBef>
+              <a:spcAft>
+                <a:spcPct val="0"/>
+              </a:spcAft>
+              <a:defRPr sz="3000">
+                <a:solidFill>
+                  <a:schemeClr val="tx1"/>
+                </a:solidFill>
+                <a:latin typeface="Arial Narrow" panose="020B0606020202030204" pitchFamily="34" charset="0"/>
+              </a:defRPr>
+            </a:lvl7pPr>
+            <a:lvl8pPr marL="3429000" indent="-228600" eaLnBrk="0" fontAlgn="base" hangingPunct="0">
+              <a:spcBef>
+                <a:spcPct val="0"/>
+              </a:spcBef>
+              <a:spcAft>
+                <a:spcPct val="0"/>
+              </a:spcAft>
+              <a:defRPr sz="3000">
+                <a:solidFill>
+                  <a:schemeClr val="tx1"/>
+                </a:solidFill>
+                <a:latin typeface="Arial Narrow" panose="020B0606020202030204" pitchFamily="34" charset="0"/>
+              </a:defRPr>
+            </a:lvl8pPr>
+            <a:lvl9pPr marL="3886200" indent="-228600" eaLnBrk="0" fontAlgn="base" hangingPunct="0">
+              <a:spcBef>
+                <a:spcPct val="0"/>
+              </a:spcBef>
+              <a:spcAft>
+                <a:spcPct val="0"/>
+              </a:spcAft>
+              <a:defRPr sz="3000">
+                <a:solidFill>
+                  <a:schemeClr val="tx1"/>
+                </a:solidFill>
+                <a:latin typeface="Arial Narrow" panose="020B0606020202030204" pitchFamily="34" charset="0"/>
+              </a:defRPr>
+            </a:lvl9pPr>
+          </a:lstStyle>
+          <a:p>
+            <a:pPr algn="ctr"/>
+            <a:r>
+              <a:rPr lang="en-US" altLang="fr-FR" sz="1600">
+                <a:solidFill>
+                  <a:srgbClr val="000000"/>
+                </a:solidFill>
+              </a:rPr>
+              <a:t>Instrument</a:t>
+            </a:r>
+          </a:p>
+          <a:p>
+            <a:pPr algn="ctr"/>
+            <a:r>
+              <a:rPr lang="en-US" altLang="fr-FR" sz="1600">
+                <a:solidFill>
+                  <a:srgbClr val="000000"/>
+                </a:solidFill>
+              </a:rPr>
+              <a:t>à cordes</a:t>
+            </a:r>
+            <a:endParaRPr lang="en-GB" altLang="fr-FR" sz="1600">
+              <a:solidFill>
+                <a:srgbClr val="000000"/>
+              </a:solidFill>
+            </a:endParaRPr>
+          </a:p>
+        </p:txBody>
+      </p:sp>
+      <p:sp>
+        <p:nvSpPr>
+          <p:cNvPr id="55307" name="AutoShape 10"/>
+          <p:cNvSpPr>
+            <a:spLocks noChangeArrowheads="1"/>
+          </p:cNvSpPr>
+          <p:nvPr/>
+        </p:nvSpPr>
+        <p:spPr bwMode="auto">
+          <a:xfrm>
+            <a:off x="5181600" y="3962400"/>
+            <a:ext cx="304800" cy="304800"/>
+          </a:xfrm>
+          <a:prstGeom prst="triangle">
+            <a:avLst>
+              <a:gd name="adj" fmla="val 50000"/>
+            </a:avLst>
+          </a:prstGeom>
+          <a:solidFill>
+            <a:schemeClr val="bg1"/>
+          </a:solidFill>
+          <a:ln w="9525">
+            <a:solidFill>
+              <a:schemeClr val="tx1"/>
+            </a:solidFill>
+            <a:miter lim="800000"/>
+            <a:headEnd/>
+            <a:tailEnd/>
+          </a:ln>
+          <a:effectLst/>
+          <a:extLst>
+            <a:ext uri="{AF507438-7753-43E0-B8FC-AC1667EBCBE1}">
+              <a14:hiddenEffects xmlns:a14="http://schemas.microsoft.com/office/drawing/2010/main">
+                <a:effectLst>
+                  <a:outerShdw dist="35921" dir="2700000" algn="ctr" rotWithShape="0">
+                    <a:schemeClr val="bg2"/>
+                  </a:outerShdw>
+                </a:effectLst>
+              </a14:hiddenEffects>
+            </a:ext>
+          </a:extLst>
+        </p:spPr>
+        <p:txBody>
+          <a:bodyPr wrap="none" anchor="ctr"/>
+          <a:lstStyle>
+            <a:lvl1pPr>
+              <a:defRPr sz="3000">
+                <a:solidFill>
+                  <a:schemeClr val="tx1"/>
+                </a:solidFill>
+                <a:latin typeface="Arial Narrow" panose="020B0606020202030204" pitchFamily="34" charset="0"/>
+              </a:defRPr>
+            </a:lvl1pPr>
+            <a:lvl2pPr marL="742950" indent="-285750">
+              <a:defRPr sz="3000">
+                <a:solidFill>
+                  <a:schemeClr val="tx1"/>
+                </a:solidFill>
+                <a:latin typeface="Arial Narrow" panose="020B0606020202030204" pitchFamily="34" charset="0"/>
+              </a:defRPr>
+            </a:lvl2pPr>
+            <a:lvl3pPr marL="1143000" indent="-228600">
+              <a:defRPr sz="3000">
+                <a:solidFill>
+                  <a:schemeClr val="tx1"/>
+                </a:solidFill>
+                <a:latin typeface="Arial Narrow" panose="020B0606020202030204" pitchFamily="34" charset="0"/>
+              </a:defRPr>
+            </a:lvl3pPr>
+            <a:lvl4pPr marL="1600200" indent="-228600">
+              <a:defRPr sz="3000">
+                <a:solidFill>
+                  <a:schemeClr val="tx1"/>
+                </a:solidFill>
+                <a:latin typeface="Arial Narrow" panose="020B0606020202030204" pitchFamily="34" charset="0"/>
+              </a:defRPr>
+            </a:lvl4pPr>
+            <a:lvl5pPr marL="2057400" indent="-228600">
+              <a:defRPr sz="3000">
+                <a:solidFill>
+                  <a:schemeClr val="tx1"/>
+                </a:solidFill>
+                <a:latin typeface="Arial Narrow" panose="020B0606020202030204" pitchFamily="34" charset="0"/>
+              </a:defRPr>
+            </a:lvl5pPr>
+            <a:lvl6pPr marL="2514600" indent="-228600" eaLnBrk="0" fontAlgn="base" hangingPunct="0">
+              <a:spcBef>
+                <a:spcPct val="0"/>
+              </a:spcBef>
+              <a:spcAft>
+                <a:spcPct val="0"/>
+              </a:spcAft>
+              <a:defRPr sz="3000">
+                <a:solidFill>
+                  <a:schemeClr val="tx1"/>
+                </a:solidFill>
+                <a:latin typeface="Arial Narrow" panose="020B0606020202030204" pitchFamily="34" charset="0"/>
+              </a:defRPr>
+            </a:lvl6pPr>
+            <a:lvl7pPr marL="2971800" indent="-228600" eaLnBrk="0" fontAlgn="base" hangingPunct="0">
+              <a:spcBef>
+                <a:spcPct val="0"/>
+              </a:spcBef>
+              <a:spcAft>
+                <a:spcPct val="0"/>
+              </a:spcAft>
+              <a:defRPr sz="3000">
+                <a:solidFill>
+                  <a:schemeClr val="tx1"/>
+                </a:solidFill>
+                <a:latin typeface="Arial Narrow" panose="020B0606020202030204" pitchFamily="34" charset="0"/>
+              </a:defRPr>
+            </a:lvl7pPr>
+            <a:lvl8pPr marL="3429000" indent="-228600" eaLnBrk="0" fontAlgn="base" hangingPunct="0">
+              <a:spcBef>
+                <a:spcPct val="0"/>
+              </a:spcBef>
+              <a:spcAft>
+                <a:spcPct val="0"/>
+              </a:spcAft>
+              <a:defRPr sz="3000">
+                <a:solidFill>
+                  <a:schemeClr val="tx1"/>
+                </a:solidFill>
+                <a:latin typeface="Arial Narrow" panose="020B0606020202030204" pitchFamily="34" charset="0"/>
+              </a:defRPr>
+            </a:lvl8pPr>
+            <a:lvl9pPr marL="3886200" indent="-228600" eaLnBrk="0" fontAlgn="base" hangingPunct="0">
+              <a:spcBef>
+                <a:spcPct val="0"/>
+              </a:spcBef>
+              <a:spcAft>
+                <a:spcPct val="0"/>
+              </a:spcAft>
+              <a:defRPr sz="3000">
+                <a:solidFill>
+                  <a:schemeClr val="tx1"/>
+                </a:solidFill>
+                <a:latin typeface="Arial Narrow" panose="020B0606020202030204" pitchFamily="34" charset="0"/>
+              </a:defRPr>
+            </a:lvl9pPr>
+          </a:lstStyle>
+          <a:p>
+            <a:endParaRPr lang="fr-FR" altLang="fr-FR"/>
+          </a:p>
+        </p:txBody>
+      </p:sp>
+      <p:sp>
+        <p:nvSpPr>
+          <p:cNvPr id="55308" name="Rectangle 11"/>
+          <p:cNvSpPr>
+            <a:spLocks noChangeArrowheads="1"/>
+          </p:cNvSpPr>
+          <p:nvPr/>
+        </p:nvSpPr>
+        <p:spPr bwMode="auto">
+          <a:xfrm>
+            <a:off x="6324600" y="3276600"/>
+            <a:ext cx="1447800" cy="685800"/>
+          </a:xfrm>
+          <a:prstGeom prst="rect">
+            <a:avLst/>
+          </a:prstGeom>
+          <a:solidFill>
+            <a:schemeClr val="accent1"/>
+          </a:solidFill>
+          <a:ln w="9525" algn="ctr">
+            <a:solidFill>
+              <a:srgbClr val="0033CC"/>
+            </a:solidFill>
+            <a:miter lim="800000"/>
+            <a:headEnd/>
+            <a:tailEnd/>
+          </a:ln>
+          <a:effectLst>
+            <a:outerShdw dist="53882" dir="2700000" algn="ctr" rotWithShape="0">
+              <a:srgbClr val="C0C0C0"/>
+            </a:outerShdw>
+          </a:effectLst>
+        </p:spPr>
+        <p:txBody>
+          <a:bodyPr wrap="none" tIns="27432" bIns="27432" anchor="ctr"/>
+          <a:lstStyle>
+            <a:lvl1pPr>
+              <a:defRPr sz="3000">
+                <a:solidFill>
+                  <a:schemeClr val="tx1"/>
+                </a:solidFill>
+                <a:latin typeface="Arial Narrow" panose="020B0606020202030204" pitchFamily="34" charset="0"/>
+              </a:defRPr>
+            </a:lvl1pPr>
+            <a:lvl2pPr marL="742950" indent="-285750">
+              <a:defRPr sz="3000">
+                <a:solidFill>
+                  <a:schemeClr val="tx1"/>
+                </a:solidFill>
+                <a:latin typeface="Arial Narrow" panose="020B0606020202030204" pitchFamily="34" charset="0"/>
+              </a:defRPr>
+            </a:lvl2pPr>
+            <a:lvl3pPr marL="1143000" indent="-228600">
+              <a:defRPr sz="3000">
+                <a:solidFill>
+                  <a:schemeClr val="tx1"/>
+                </a:solidFill>
+                <a:latin typeface="Arial Narrow" panose="020B0606020202030204" pitchFamily="34" charset="0"/>
+              </a:defRPr>
+            </a:lvl3pPr>
+            <a:lvl4pPr marL="1600200" indent="-228600">
+              <a:defRPr sz="3000">
+                <a:solidFill>
+                  <a:schemeClr val="tx1"/>
+                </a:solidFill>
+                <a:latin typeface="Arial Narrow" panose="020B0606020202030204" pitchFamily="34" charset="0"/>
+              </a:defRPr>
+            </a:lvl4pPr>
+            <a:lvl5pPr marL="2057400" indent="-228600">
+              <a:defRPr sz="3000">
+                <a:solidFill>
+                  <a:schemeClr val="tx1"/>
+                </a:solidFill>
+                <a:latin typeface="Arial Narrow" panose="020B0606020202030204" pitchFamily="34" charset="0"/>
+              </a:defRPr>
+            </a:lvl5pPr>
+            <a:lvl6pPr marL="2514600" indent="-228600" eaLnBrk="0" fontAlgn="base" hangingPunct="0">
+              <a:spcBef>
+                <a:spcPct val="0"/>
+              </a:spcBef>
+              <a:spcAft>
+                <a:spcPct val="0"/>
+              </a:spcAft>
+              <a:defRPr sz="3000">
+                <a:solidFill>
+                  <a:schemeClr val="tx1"/>
+                </a:solidFill>
+                <a:latin typeface="Arial Narrow" panose="020B0606020202030204" pitchFamily="34" charset="0"/>
+              </a:defRPr>
+            </a:lvl6pPr>
+            <a:lvl7pPr marL="2971800" indent="-228600" eaLnBrk="0" fontAlgn="base" hangingPunct="0">
+              <a:spcBef>
+                <a:spcPct val="0"/>
+              </a:spcBef>
+              <a:spcAft>
+                <a:spcPct val="0"/>
+              </a:spcAft>
+              <a:defRPr sz="3000">
+                <a:solidFill>
+                  <a:schemeClr val="tx1"/>
+                </a:solidFill>
+                <a:latin typeface="Arial Narrow" panose="020B0606020202030204" pitchFamily="34" charset="0"/>
+              </a:defRPr>
+            </a:lvl7pPr>
+            <a:lvl8pPr marL="3429000" indent="-228600" eaLnBrk="0" fontAlgn="base" hangingPunct="0">
+              <a:spcBef>
+                <a:spcPct val="0"/>
+              </a:spcBef>
+              <a:spcAft>
+                <a:spcPct val="0"/>
+              </a:spcAft>
+              <a:defRPr sz="3000">
+                <a:solidFill>
+                  <a:schemeClr val="tx1"/>
+                </a:solidFill>
+                <a:latin typeface="Arial Narrow" panose="020B0606020202030204" pitchFamily="34" charset="0"/>
+              </a:defRPr>
+            </a:lvl8pPr>
+            <a:lvl9pPr marL="3886200" indent="-228600" eaLnBrk="0" fontAlgn="base" hangingPunct="0">
+              <a:spcBef>
+                <a:spcPct val="0"/>
+              </a:spcBef>
+              <a:spcAft>
+                <a:spcPct val="0"/>
+              </a:spcAft>
+              <a:defRPr sz="3000">
+                <a:solidFill>
+                  <a:schemeClr val="tx1"/>
+                </a:solidFill>
+                <a:latin typeface="Arial Narrow" panose="020B0606020202030204" pitchFamily="34" charset="0"/>
+              </a:defRPr>
+            </a:lvl9pPr>
+          </a:lstStyle>
+          <a:p>
+            <a:pPr algn="ctr"/>
+            <a:r>
+              <a:rPr lang="en-US" altLang="fr-FR" sz="1600">
+                <a:solidFill>
+                  <a:srgbClr val="000000"/>
+                </a:solidFill>
+              </a:rPr>
+              <a:t>Cordes pincées</a:t>
+            </a:r>
+            <a:endParaRPr lang="en-GB" altLang="fr-FR" sz="1600"/>
+          </a:p>
+        </p:txBody>
+      </p:sp>
+      <p:sp>
+        <p:nvSpPr>
+          <p:cNvPr id="55309" name="AutoShape 12"/>
+          <p:cNvSpPr>
+            <a:spLocks noChangeArrowheads="1"/>
+          </p:cNvSpPr>
+          <p:nvPr/>
+        </p:nvSpPr>
+        <p:spPr bwMode="auto">
+          <a:xfrm>
+            <a:off x="6858000" y="3962400"/>
+            <a:ext cx="304800" cy="304800"/>
+          </a:xfrm>
+          <a:prstGeom prst="triangle">
+            <a:avLst>
+              <a:gd name="adj" fmla="val 50000"/>
+            </a:avLst>
+          </a:prstGeom>
+          <a:solidFill>
+            <a:schemeClr val="bg1"/>
+          </a:solidFill>
+          <a:ln w="9525">
+            <a:solidFill>
+              <a:schemeClr val="tx1"/>
+            </a:solidFill>
+            <a:miter lim="800000"/>
+            <a:headEnd/>
+            <a:tailEnd/>
+          </a:ln>
+          <a:effectLst/>
+          <a:extLst>
+            <a:ext uri="{AF507438-7753-43E0-B8FC-AC1667EBCBE1}">
+              <a14:hiddenEffects xmlns:a14="http://schemas.microsoft.com/office/drawing/2010/main">
+                <a:effectLst>
+                  <a:outerShdw dist="35921" dir="2700000" algn="ctr" rotWithShape="0">
+                    <a:schemeClr val="bg2"/>
+                  </a:outerShdw>
+                </a:effectLst>
+              </a14:hiddenEffects>
+            </a:ext>
+          </a:extLst>
+        </p:spPr>
+        <p:txBody>
+          <a:bodyPr wrap="none" anchor="ctr"/>
+          <a:lstStyle>
+            <a:lvl1pPr>
+              <a:defRPr sz="3000">
+                <a:solidFill>
+                  <a:schemeClr val="tx1"/>
+                </a:solidFill>
+                <a:latin typeface="Arial Narrow" panose="020B0606020202030204" pitchFamily="34" charset="0"/>
+              </a:defRPr>
+            </a:lvl1pPr>
+            <a:lvl2pPr marL="742950" indent="-285750">
+              <a:defRPr sz="3000">
+                <a:solidFill>
+                  <a:schemeClr val="tx1"/>
+                </a:solidFill>
+                <a:latin typeface="Arial Narrow" panose="020B0606020202030204" pitchFamily="34" charset="0"/>
+              </a:defRPr>
+            </a:lvl2pPr>
+            <a:lvl3pPr marL="1143000" indent="-228600">
+              <a:defRPr sz="3000">
+                <a:solidFill>
+                  <a:schemeClr val="tx1"/>
+                </a:solidFill>
+                <a:latin typeface="Arial Narrow" panose="020B0606020202030204" pitchFamily="34" charset="0"/>
+              </a:defRPr>
+            </a:lvl3pPr>
+            <a:lvl4pPr marL="1600200" indent="-228600">
+              <a:defRPr sz="3000">
+                <a:solidFill>
+                  <a:schemeClr val="tx1"/>
+                </a:solidFill>
+                <a:latin typeface="Arial Narrow" panose="020B0606020202030204" pitchFamily="34" charset="0"/>
+              </a:defRPr>
+            </a:lvl4pPr>
+            <a:lvl5pPr marL="2057400" indent="-228600">
+              <a:defRPr sz="3000">
+                <a:solidFill>
+                  <a:schemeClr val="tx1"/>
+                </a:solidFill>
+                <a:latin typeface="Arial Narrow" panose="020B0606020202030204" pitchFamily="34" charset="0"/>
+              </a:defRPr>
+            </a:lvl5pPr>
+            <a:lvl6pPr marL="2514600" indent="-228600" eaLnBrk="0" fontAlgn="base" hangingPunct="0">
+              <a:spcBef>
+                <a:spcPct val="0"/>
+              </a:spcBef>
+              <a:spcAft>
+                <a:spcPct val="0"/>
+              </a:spcAft>
+              <a:defRPr sz="3000">
+                <a:solidFill>
+                  <a:schemeClr val="tx1"/>
+                </a:solidFill>
+                <a:latin typeface="Arial Narrow" panose="020B0606020202030204" pitchFamily="34" charset="0"/>
+              </a:defRPr>
+            </a:lvl6pPr>
+            <a:lvl7pPr marL="2971800" indent="-228600" eaLnBrk="0" fontAlgn="base" hangingPunct="0">
+              <a:spcBef>
+                <a:spcPct val="0"/>
+              </a:spcBef>
+              <a:spcAft>
+                <a:spcPct val="0"/>
+              </a:spcAft>
+              <a:defRPr sz="3000">
+                <a:solidFill>
+                  <a:schemeClr val="tx1"/>
+                </a:solidFill>
+                <a:latin typeface="Arial Narrow" panose="020B0606020202030204" pitchFamily="34" charset="0"/>
+              </a:defRPr>
+            </a:lvl7pPr>
+            <a:lvl8pPr marL="3429000" indent="-228600" eaLnBrk="0" fontAlgn="base" hangingPunct="0">
+              <a:spcBef>
+                <a:spcPct val="0"/>
+              </a:spcBef>
+              <a:spcAft>
+                <a:spcPct val="0"/>
+              </a:spcAft>
+              <a:defRPr sz="3000">
+                <a:solidFill>
+                  <a:schemeClr val="tx1"/>
+                </a:solidFill>
+                <a:latin typeface="Arial Narrow" panose="020B0606020202030204" pitchFamily="34" charset="0"/>
+              </a:defRPr>
+            </a:lvl8pPr>
+            <a:lvl9pPr marL="3886200" indent="-228600" eaLnBrk="0" fontAlgn="base" hangingPunct="0">
+              <a:spcBef>
+                <a:spcPct val="0"/>
+              </a:spcBef>
+              <a:spcAft>
+                <a:spcPct val="0"/>
+              </a:spcAft>
+              <a:defRPr sz="3000">
+                <a:solidFill>
+                  <a:schemeClr val="tx1"/>
+                </a:solidFill>
+                <a:latin typeface="Arial Narrow" panose="020B0606020202030204" pitchFamily="34" charset="0"/>
+              </a:defRPr>
+            </a:lvl9pPr>
+          </a:lstStyle>
+          <a:p>
+            <a:endParaRPr lang="fr-FR" altLang="fr-FR"/>
+          </a:p>
+        </p:txBody>
+      </p:sp>
+      <p:cxnSp>
+        <p:nvCxnSpPr>
+          <p:cNvPr id="55310" name="AutoShape 13"/>
+          <p:cNvCxnSpPr>
+            <a:cxnSpLocks noChangeShapeType="1"/>
+            <a:stCxn id="55307" idx="3"/>
+            <a:endCxn id="55306" idx="0"/>
+          </p:cNvCxnSpPr>
+          <p:nvPr/>
+        </p:nvCxnSpPr>
+        <p:spPr bwMode="auto">
+          <a:xfrm rot="16200000" flipH="1">
+            <a:off x="5505450" y="4095750"/>
+            <a:ext cx="533400" cy="876300"/>
+          </a:xfrm>
+          <a:prstGeom prst="bentConnector3">
+            <a:avLst>
+              <a:gd name="adj1" fmla="val 50000"/>
+            </a:avLst>
+          </a:prstGeom>
+          <a:noFill/>
+          <a:ln w="9525">
+            <a:solidFill>
+              <a:schemeClr val="tx1"/>
+            </a:solidFill>
+            <a:miter lim="800000"/>
+            <a:headEnd/>
+            <a:tailEnd/>
+          </a:ln>
+          <a:effectLst/>
+          <a:extLst>
+            <a:ext uri="{909E8E84-426E-40DD-AFC4-6F175D3DCCD1}">
+              <a14:hiddenFill xmlns:a14="http://schemas.microsoft.com/office/drawing/2010/main">
+                <a:noFill/>
+              </a14:hiddenFill>
+            </a:ext>
+            <a:ext uri="{AF507438-7753-43E0-B8FC-AC1667EBCBE1}">
+              <a14:hiddenEffects xmlns:a14="http://schemas.microsoft.com/office/drawing/2010/main">
+                <a:effectLst>
+                  <a:outerShdw dist="35921" dir="2700000" algn="ctr" rotWithShape="0">
+                    <a:schemeClr val="bg2"/>
+                  </a:outerShdw>
+                </a:effectLst>
+              </a14:hiddenEffects>
+            </a:ext>
+          </a:extLst>
+        </p:spPr>
+      </p:cxnSp>
+      <p:cxnSp>
+        <p:nvCxnSpPr>
+          <p:cNvPr id="55311" name="AutoShape 14"/>
+          <p:cNvCxnSpPr>
+            <a:cxnSpLocks noChangeShapeType="1"/>
+            <a:stCxn id="55309" idx="3"/>
+            <a:endCxn id="55306" idx="0"/>
+          </p:cNvCxnSpPr>
+          <p:nvPr/>
+        </p:nvCxnSpPr>
+        <p:spPr bwMode="auto">
+          <a:xfrm rot="5400000">
+            <a:off x="6343650" y="4133850"/>
+            <a:ext cx="533400" cy="800100"/>
+          </a:xfrm>
+          <a:prstGeom prst="bentConnector3">
+            <a:avLst>
+              <a:gd name="adj1" fmla="val 50000"/>
+            </a:avLst>
+          </a:prstGeom>
+          <a:noFill/>
+          <a:ln w="9525">
+            <a:solidFill>
+              <a:schemeClr val="tx1"/>
+            </a:solidFill>
+            <a:miter lim="800000"/>
+            <a:headEnd/>
+            <a:tailEnd/>
+          </a:ln>
+          <a:effectLst/>
+          <a:extLst>
+            <a:ext uri="{909E8E84-426E-40DD-AFC4-6F175D3DCCD1}">
+              <a14:hiddenFill xmlns:a14="http://schemas.microsoft.com/office/drawing/2010/main">
+                <a:noFill/>
+              </a14:hiddenFill>
+            </a:ext>
+            <a:ext uri="{AF507438-7753-43E0-B8FC-AC1667EBCBE1}">
+              <a14:hiddenEffects xmlns:a14="http://schemas.microsoft.com/office/drawing/2010/main">
+                <a:effectLst>
+                  <a:outerShdw dist="35921" dir="2700000" algn="ctr" rotWithShape="0">
+                    <a:schemeClr val="bg2"/>
+                  </a:outerShdw>
+                </a:effectLst>
+              </a14:hiddenEffects>
+            </a:ext>
+          </a:extLst>
+        </p:spPr>
+      </p:cxnSp>
+      <p:sp>
+        <p:nvSpPr>
+          <p:cNvPr id="55312" name="Text Box 15"/>
+          <p:cNvSpPr txBox="1">
+            <a:spLocks noChangeArrowheads="1"/>
+          </p:cNvSpPr>
+          <p:nvPr/>
+        </p:nvSpPr>
+        <p:spPr bwMode="auto">
+          <a:xfrm>
+            <a:off x="1676400" y="5514975"/>
+            <a:ext cx="2362200" cy="581025"/>
+          </a:xfrm>
+          <a:prstGeom prst="rect">
+            <a:avLst/>
+          </a:prstGeom>
+          <a:noFill/>
+          <a:ln>
+            <a:noFill/>
+          </a:ln>
+          <a:effectLst/>
+          <a:extLst>
+            <a:ext uri="{909E8E84-426E-40DD-AFC4-6F175D3DCCD1}">
+              <a14:hiddenFill xmlns:a14="http://schemas.microsoft.com/office/drawing/2010/main">
+                <a:solidFill>
+                  <a:schemeClr val="accent1"/>
+                </a:solidFill>
+              </a14:hiddenFill>
+            </a:ext>
+            <a:ext uri="{91240B29-F687-4F45-9708-019B960494DF}">
+              <a14:hiddenLine xmlns:a14="http://schemas.microsoft.com/office/drawing/2010/main" w="9525">
+                <a:solidFill>
+                  <a:schemeClr val="tx1"/>
+                </a:solidFill>
+                <a:miter lim="800000"/>
+                <a:headEnd/>
+                <a:tailEnd/>
+              </a14:hiddenLine>
+            </a:ext>
+            <a:ext uri="{AF507438-7753-43E0-B8FC-AC1667EBCBE1}">
+              <a14:hiddenEffects xmlns:a14="http://schemas.microsoft.com/office/drawing/2010/main">
+                <a:effectLst>
+                  <a:outerShdw dist="35921" dir="2700000" algn="ctr" rotWithShape="0">
+                    <a:schemeClr val="bg2"/>
+                  </a:outerShdw>
+                </a:effectLst>
+              </a14:hiddenEffects>
+            </a:ext>
+          </a:extLst>
+        </p:spPr>
+        <p:txBody>
+          <a:bodyPr>
+            <a:spAutoFit/>
+          </a:bodyPr>
+          <a:lstStyle>
+            <a:lvl1pPr>
+              <a:defRPr sz="3000">
+                <a:solidFill>
+                  <a:schemeClr val="tx1"/>
+                </a:solidFill>
+                <a:latin typeface="Arial Narrow" panose="020B0606020202030204" pitchFamily="34" charset="0"/>
+              </a:defRPr>
+            </a:lvl1pPr>
+            <a:lvl2pPr marL="742950" indent="-285750">
+              <a:defRPr sz="3000">
+                <a:solidFill>
+                  <a:schemeClr val="tx1"/>
+                </a:solidFill>
+                <a:latin typeface="Arial Narrow" panose="020B0606020202030204" pitchFamily="34" charset="0"/>
+              </a:defRPr>
+            </a:lvl2pPr>
+            <a:lvl3pPr marL="1143000" indent="-228600">
+              <a:defRPr sz="3000">
+                <a:solidFill>
+                  <a:schemeClr val="tx1"/>
+                </a:solidFill>
+                <a:latin typeface="Arial Narrow" panose="020B0606020202030204" pitchFamily="34" charset="0"/>
+              </a:defRPr>
+            </a:lvl3pPr>
+            <a:lvl4pPr marL="1600200" indent="-228600">
+              <a:defRPr sz="3000">
+                <a:solidFill>
+                  <a:schemeClr val="tx1"/>
+                </a:solidFill>
+                <a:latin typeface="Arial Narrow" panose="020B0606020202030204" pitchFamily="34" charset="0"/>
+              </a:defRPr>
+            </a:lvl4pPr>
+            <a:lvl5pPr marL="2057400" indent="-228600">
+              <a:defRPr sz="3000">
+                <a:solidFill>
+                  <a:schemeClr val="tx1"/>
+                </a:solidFill>
+                <a:latin typeface="Arial Narrow" panose="020B0606020202030204" pitchFamily="34" charset="0"/>
+              </a:defRPr>
+            </a:lvl5pPr>
+            <a:lvl6pPr marL="2514600" indent="-228600" eaLnBrk="0" fontAlgn="base" hangingPunct="0">
+              <a:spcBef>
+                <a:spcPct val="0"/>
+              </a:spcBef>
+              <a:spcAft>
+                <a:spcPct val="0"/>
+              </a:spcAft>
+              <a:defRPr sz="3000">
+                <a:solidFill>
+                  <a:schemeClr val="tx1"/>
+                </a:solidFill>
+                <a:latin typeface="Arial Narrow" panose="020B0606020202030204" pitchFamily="34" charset="0"/>
+              </a:defRPr>
+            </a:lvl6pPr>
+            <a:lvl7pPr marL="2971800" indent="-228600" eaLnBrk="0" fontAlgn="base" hangingPunct="0">
+              <a:spcBef>
+                <a:spcPct val="0"/>
+              </a:spcBef>
+              <a:spcAft>
+                <a:spcPct val="0"/>
+              </a:spcAft>
+              <a:defRPr sz="3000">
+                <a:solidFill>
+                  <a:schemeClr val="tx1"/>
+                </a:solidFill>
+                <a:latin typeface="Arial Narrow" panose="020B0606020202030204" pitchFamily="34" charset="0"/>
+              </a:defRPr>
+            </a:lvl7pPr>
+            <a:lvl8pPr marL="3429000" indent="-228600" eaLnBrk="0" fontAlgn="base" hangingPunct="0">
+              <a:spcBef>
+                <a:spcPct val="0"/>
+              </a:spcBef>
+              <a:spcAft>
+                <a:spcPct val="0"/>
+              </a:spcAft>
+              <a:defRPr sz="3000">
+                <a:solidFill>
+                  <a:schemeClr val="tx1"/>
+                </a:solidFill>
+                <a:latin typeface="Arial Narrow" panose="020B0606020202030204" pitchFamily="34" charset="0"/>
+              </a:defRPr>
+            </a:lvl8pPr>
+            <a:lvl9pPr marL="3886200" indent="-228600" eaLnBrk="0" fontAlgn="base" hangingPunct="0">
+              <a:spcBef>
+                <a:spcPct val="0"/>
+              </a:spcBef>
+              <a:spcAft>
+                <a:spcPct val="0"/>
+              </a:spcAft>
+              <a:defRPr sz="3000">
+                <a:solidFill>
+                  <a:schemeClr val="tx1"/>
+                </a:solidFill>
+                <a:latin typeface="Arial Narrow" panose="020B0606020202030204" pitchFamily="34" charset="0"/>
+              </a:defRPr>
+            </a:lvl9pPr>
+          </a:lstStyle>
+          <a:p>
+            <a:r>
+              <a:rPr lang="en-US" altLang="fr-FR" sz="1600" b="1">
+                <a:solidFill>
+                  <a:srgbClr val="000000"/>
+                </a:solidFill>
+              </a:rPr>
+              <a:t>Violon</a:t>
+            </a:r>
+            <a:r>
+              <a:rPr lang="en-US" altLang="fr-FR" sz="1600">
+                <a:solidFill>
+                  <a:srgbClr val="000000"/>
+                </a:solidFill>
+              </a:rPr>
+              <a:t> a une seule classe </a:t>
+            </a:r>
+            <a:br>
+              <a:rPr lang="en-US" altLang="fr-FR" sz="1600">
+                <a:solidFill>
+                  <a:srgbClr val="000000"/>
+                </a:solidFill>
+              </a:rPr>
+            </a:br>
+            <a:r>
+              <a:rPr lang="en-US" altLang="fr-FR" sz="1600">
+                <a:solidFill>
+                  <a:srgbClr val="000000"/>
+                </a:solidFill>
+              </a:rPr>
+              <a:t>de base directe</a:t>
+            </a:r>
+            <a:endParaRPr lang="en-GB" altLang="fr-FR" sz="1600"/>
+          </a:p>
+        </p:txBody>
+      </p:sp>
+      <p:sp>
+        <p:nvSpPr>
+          <p:cNvPr id="55313" name="Text Box 16"/>
+          <p:cNvSpPr txBox="1">
+            <a:spLocks noChangeArrowheads="1"/>
+          </p:cNvSpPr>
+          <p:nvPr/>
+        </p:nvSpPr>
+        <p:spPr bwMode="auto">
+          <a:xfrm>
+            <a:off x="5257800" y="5514975"/>
+            <a:ext cx="2362200" cy="581025"/>
+          </a:xfrm>
+          <a:prstGeom prst="rect">
+            <a:avLst/>
+          </a:prstGeom>
+          <a:noFill/>
+          <a:ln>
+            <a:noFill/>
+          </a:ln>
+          <a:effectLst/>
+          <a:extLst>
+            <a:ext uri="{909E8E84-426E-40DD-AFC4-6F175D3DCCD1}">
+              <a14:hiddenFill xmlns:a14="http://schemas.microsoft.com/office/drawing/2010/main">
+                <a:solidFill>
+                  <a:schemeClr val="accent1"/>
+                </a:solidFill>
+              </a14:hiddenFill>
+            </a:ext>
+            <a:ext uri="{91240B29-F687-4F45-9708-019B960494DF}">
+              <a14:hiddenLine xmlns:a14="http://schemas.microsoft.com/office/drawing/2010/main" w="9525">
+                <a:solidFill>
+                  <a:schemeClr val="tx1"/>
+                </a:solidFill>
+                <a:miter lim="800000"/>
+                <a:headEnd/>
+                <a:tailEnd/>
+              </a14:hiddenLine>
+            </a:ext>
+            <a:ext uri="{AF507438-7753-43E0-B8FC-AC1667EBCBE1}">
+              <a14:hiddenEffects xmlns:a14="http://schemas.microsoft.com/office/drawing/2010/main">
+                <a:effectLst>
+                  <a:outerShdw dist="35921" dir="2700000" algn="ctr" rotWithShape="0">
+                    <a:schemeClr val="bg2"/>
+                  </a:outerShdw>
+                </a:effectLst>
+              </a14:hiddenEffects>
+            </a:ext>
+          </a:extLst>
+        </p:spPr>
+        <p:txBody>
+          <a:bodyPr>
+            <a:spAutoFit/>
+          </a:bodyPr>
+          <a:lstStyle>
+            <a:lvl1pPr>
+              <a:defRPr sz="3000">
+                <a:solidFill>
+                  <a:schemeClr val="tx1"/>
+                </a:solidFill>
+                <a:latin typeface="Arial Narrow" panose="020B0606020202030204" pitchFamily="34" charset="0"/>
+              </a:defRPr>
+            </a:lvl1pPr>
+            <a:lvl2pPr marL="742950" indent="-285750">
+              <a:defRPr sz="3000">
+                <a:solidFill>
+                  <a:schemeClr val="tx1"/>
+                </a:solidFill>
+                <a:latin typeface="Arial Narrow" panose="020B0606020202030204" pitchFamily="34" charset="0"/>
+              </a:defRPr>
+            </a:lvl2pPr>
+            <a:lvl3pPr marL="1143000" indent="-228600">
+              <a:defRPr sz="3000">
+                <a:solidFill>
+                  <a:schemeClr val="tx1"/>
+                </a:solidFill>
+                <a:latin typeface="Arial Narrow" panose="020B0606020202030204" pitchFamily="34" charset="0"/>
+              </a:defRPr>
+            </a:lvl3pPr>
+            <a:lvl4pPr marL="1600200" indent="-228600">
+              <a:defRPr sz="3000">
+                <a:solidFill>
+                  <a:schemeClr val="tx1"/>
+                </a:solidFill>
+                <a:latin typeface="Arial Narrow" panose="020B0606020202030204" pitchFamily="34" charset="0"/>
+              </a:defRPr>
+            </a:lvl4pPr>
+            <a:lvl5pPr marL="2057400" indent="-228600">
+              <a:defRPr sz="3000">
+                <a:solidFill>
+                  <a:schemeClr val="tx1"/>
+                </a:solidFill>
+                <a:latin typeface="Arial Narrow" panose="020B0606020202030204" pitchFamily="34" charset="0"/>
+              </a:defRPr>
+            </a:lvl5pPr>
+            <a:lvl6pPr marL="2514600" indent="-228600" eaLnBrk="0" fontAlgn="base" hangingPunct="0">
+              <a:spcBef>
+                <a:spcPct val="0"/>
+              </a:spcBef>
+              <a:spcAft>
+                <a:spcPct val="0"/>
+              </a:spcAft>
+              <a:defRPr sz="3000">
+                <a:solidFill>
+                  <a:schemeClr val="tx1"/>
+                </a:solidFill>
+                <a:latin typeface="Arial Narrow" panose="020B0606020202030204" pitchFamily="34" charset="0"/>
+              </a:defRPr>
+            </a:lvl6pPr>
+            <a:lvl7pPr marL="2971800" indent="-228600" eaLnBrk="0" fontAlgn="base" hangingPunct="0">
+              <a:spcBef>
+                <a:spcPct val="0"/>
+              </a:spcBef>
+              <a:spcAft>
+                <a:spcPct val="0"/>
+              </a:spcAft>
+              <a:defRPr sz="3000">
+                <a:solidFill>
+                  <a:schemeClr val="tx1"/>
+                </a:solidFill>
+                <a:latin typeface="Arial Narrow" panose="020B0606020202030204" pitchFamily="34" charset="0"/>
+              </a:defRPr>
+            </a:lvl7pPr>
+            <a:lvl8pPr marL="3429000" indent="-228600" eaLnBrk="0" fontAlgn="base" hangingPunct="0">
+              <a:spcBef>
+                <a:spcPct val="0"/>
+              </a:spcBef>
+              <a:spcAft>
+                <a:spcPct val="0"/>
+              </a:spcAft>
+              <a:defRPr sz="3000">
+                <a:solidFill>
+                  <a:schemeClr val="tx1"/>
+                </a:solidFill>
+                <a:latin typeface="Arial Narrow" panose="020B0606020202030204" pitchFamily="34" charset="0"/>
+              </a:defRPr>
+            </a:lvl8pPr>
+            <a:lvl9pPr marL="3886200" indent="-228600" eaLnBrk="0" fontAlgn="base" hangingPunct="0">
+              <a:spcBef>
+                <a:spcPct val="0"/>
+              </a:spcBef>
+              <a:spcAft>
+                <a:spcPct val="0"/>
+              </a:spcAft>
+              <a:defRPr sz="3000">
+                <a:solidFill>
+                  <a:schemeClr val="tx1"/>
+                </a:solidFill>
+                <a:latin typeface="Arial Narrow" panose="020B0606020202030204" pitchFamily="34" charset="0"/>
+              </a:defRPr>
+            </a:lvl9pPr>
+          </a:lstStyle>
+          <a:p>
+            <a:r>
+              <a:rPr lang="en-US" altLang="fr-FR" sz="1600" b="1">
+                <a:solidFill>
+                  <a:srgbClr val="000000"/>
+                </a:solidFill>
+              </a:rPr>
+              <a:t>Instrument à cordes</a:t>
+            </a:r>
+            <a:r>
+              <a:rPr lang="en-US" altLang="fr-FR" sz="1600">
+                <a:solidFill>
+                  <a:srgbClr val="000000"/>
+                </a:solidFill>
+              </a:rPr>
+              <a:t> a deux classes de base directes</a:t>
+            </a:r>
+            <a:endParaRPr lang="en-GB" altLang="fr-FR" sz="1600"/>
           </a:p>
         </p:txBody>
       </p:sp>
     </p:spTree>
     <p:extLst>
       <p:ext uri="{BB962C8B-B14F-4D97-AF65-F5344CB8AC3E}">
-        <p14:creationId xmlns:p14="http://schemas.microsoft.com/office/powerpoint/2010/main" val="1858686594"/>
+        <p14:creationId xmlns:p14="http://schemas.microsoft.com/office/powerpoint/2010/main" val="152064929"/>
       </p:ext>
     </p:extLst>
   </p:cSld>
